--- a/cicd.pptx
+++ b/cicd.pptx
@@ -19,6 +19,8 @@
     <p:sldId id="307" r:id="rId13"/>
     <p:sldId id="309" r:id="rId14"/>
     <p:sldId id="308" r:id="rId15"/>
+    <p:sldId id="310" r:id="rId16"/>
+    <p:sldId id="297" r:id="rId17"/>
   </p:sldIdLst>
   <p:sldSz cx="12192000" cy="6858000"/>
   <p:notesSz cx="6858000" cy="9144000"/>
@@ -13592,6 +13594,3783 @@
   <p:clrMapOvr>
     <a:masterClrMapping/>
   </p:clrMapOvr>
+</p:sld>
+</file>
+
+<file path=ppt/slides/slide15.xml><?xml version="1.0" encoding="utf-8"?>
+<p:sld xmlns:a="http://schemas.openxmlformats.org/drawingml/2006/main" xmlns:r="http://schemas.openxmlformats.org/officeDocument/2006/relationships" xmlns:p="http://schemas.openxmlformats.org/presentationml/2006/main">
+  <p:cSld>
+    <p:spTree>
+      <p:nvGrpSpPr>
+        <p:cNvPr id="1" name=""/>
+        <p:cNvGrpSpPr/>
+        <p:nvPr/>
+      </p:nvGrpSpPr>
+      <p:grpSpPr>
+        <a:xfrm>
+          <a:off x="0" y="0"/>
+          <a:ext cx="0" cy="0"/>
+          <a:chOff x="0" y="0"/>
+          <a:chExt cx="0" cy="0"/>
+        </a:xfrm>
+      </p:grpSpPr>
+      <p:grpSp>
+        <p:nvGrpSpPr>
+          <p:cNvPr id="12290" name="组合 43">
+            <a:extLst>
+              <a:ext uri="{FF2B5EF4-FFF2-40B4-BE49-F238E27FC236}">
+                <a16:creationId xmlns:a16="http://schemas.microsoft.com/office/drawing/2014/main" id="{7878A42E-82CD-7041-94E8-4DF240684E2D}"/>
+              </a:ext>
+            </a:extLst>
+          </p:cNvPr>
+          <p:cNvGrpSpPr>
+            <a:grpSpLocks/>
+          </p:cNvGrpSpPr>
+          <p:nvPr/>
+        </p:nvGrpSpPr>
+        <p:grpSpPr bwMode="auto">
+          <a:xfrm>
+            <a:off x="263525" y="-20638"/>
+            <a:ext cx="896938" cy="1146176"/>
+            <a:chOff x="0" y="0"/>
+            <a:chExt cx="897441" cy="1148103"/>
+          </a:xfrm>
+        </p:grpSpPr>
+        <p:sp>
+          <p:nvSpPr>
+            <p:cNvPr id="12291" name="五边形 44">
+              <a:extLst>
+                <a:ext uri="{FF2B5EF4-FFF2-40B4-BE49-F238E27FC236}">
+                  <a16:creationId xmlns:a16="http://schemas.microsoft.com/office/drawing/2014/main" id="{D37C94D5-EE8E-314D-9F69-A7FF13CD3D9F}"/>
+                </a:ext>
+              </a:extLst>
+            </p:cNvPr>
+            <p:cNvSpPr>
+              <a:spLocks noChangeArrowheads="1"/>
+            </p:cNvSpPr>
+            <p:nvPr/>
+          </p:nvSpPr>
+          <p:spPr bwMode="auto">
+            <a:xfrm rot="5400000">
+              <a:off x="-125331" y="125331"/>
+              <a:ext cx="1148103" cy="897441"/>
+            </a:xfrm>
+            <a:prstGeom prst="homePlate">
+              <a:avLst>
+                <a:gd name="adj" fmla="val 31983"/>
+              </a:avLst>
+            </a:prstGeom>
+            <a:solidFill>
+              <a:srgbClr val="7F7F7F"/>
+            </a:solidFill>
+            <a:ln>
+              <a:noFill/>
+            </a:ln>
+            <a:extLst>
+              <a:ext uri="{91240B29-F687-4F45-9708-019B960494DF}">
+                <a14:hiddenLine xmlns:a14="http://schemas.microsoft.com/office/drawing/2010/main" w="12700" cap="flat" cmpd="sng">
+                  <a:solidFill>
+                    <a:srgbClr val="42719B"/>
+                  </a:solidFill>
+                  <a:bevel/>
+                  <a:headEnd/>
+                  <a:tailEnd/>
+                </a14:hiddenLine>
+              </a:ext>
+            </a:extLst>
+          </p:spPr>
+          <p:txBody>
+            <a:bodyPr anchor="ctr"/>
+            <a:lstStyle/>
+            <a:p>
+              <a:pPr algn="ctr"/>
+              <a:endParaRPr lang="zh-CN" altLang="zh-CN">
+                <a:solidFill>
+                  <a:srgbClr val="FFFFFF"/>
+                </a:solidFill>
+                <a:latin typeface="宋体" panose="02010600030101010101" pitchFamily="2" charset="-122"/>
+                <a:sym typeface="宋体" panose="02010600030101010101" pitchFamily="2" charset="-122"/>
+              </a:endParaRPr>
+            </a:p>
+          </p:txBody>
+        </p:sp>
+        <p:sp>
+          <p:nvSpPr>
+            <p:cNvPr id="12292" name="文本框 45">
+              <a:extLst>
+                <a:ext uri="{FF2B5EF4-FFF2-40B4-BE49-F238E27FC236}">
+                  <a16:creationId xmlns:a16="http://schemas.microsoft.com/office/drawing/2014/main" id="{FF335201-66F7-864E-A7D4-1B7D2EFDF36F}"/>
+                </a:ext>
+              </a:extLst>
+            </p:cNvPr>
+            <p:cNvSpPr>
+              <a:spLocks noChangeArrowheads="1"/>
+            </p:cNvSpPr>
+            <p:nvPr/>
+          </p:nvSpPr>
+          <p:spPr bwMode="auto">
+            <a:xfrm>
+              <a:off x="63839" y="223407"/>
+              <a:ext cx="769763" cy="369332"/>
+            </a:xfrm>
+            <a:prstGeom prst="rect">
+              <a:avLst/>
+            </a:prstGeom>
+            <a:solidFill>
+              <a:srgbClr val="7F7F7F"/>
+            </a:solidFill>
+            <a:ln>
+              <a:noFill/>
+            </a:ln>
+            <a:extLst>
+              <a:ext uri="{91240B29-F687-4F45-9708-019B960494DF}">
+                <a14:hiddenLine xmlns:a14="http://schemas.microsoft.com/office/drawing/2010/main" w="9525">
+                  <a:solidFill>
+                    <a:srgbClr val="000000"/>
+                  </a:solidFill>
+                  <a:miter lim="800000"/>
+                  <a:headEnd/>
+                  <a:tailEnd/>
+                </a14:hiddenLine>
+              </a:ext>
+            </a:extLst>
+          </p:spPr>
+          <p:txBody>
+            <a:bodyPr wrap="none">
+              <a:spAutoFit/>
+            </a:bodyPr>
+            <a:lstStyle/>
+            <a:p>
+              <a:pPr algn="ctr"/>
+              <a:r>
+                <a:rPr lang="en-US" altLang="zh-CN" b="1">
+                  <a:solidFill>
+                    <a:schemeClr val="bg1"/>
+                  </a:solidFill>
+                  <a:latin typeface="宋体" panose="02010600030101010101" pitchFamily="2" charset="-122"/>
+                  <a:sym typeface="宋体" panose="02010600030101010101" pitchFamily="2" charset="-122"/>
+                </a:rPr>
+                <a:t>Chart</a:t>
+              </a:r>
+              <a:endParaRPr lang="zh-CN" altLang="en-US" b="1">
+                <a:solidFill>
+                  <a:schemeClr val="bg1"/>
+                </a:solidFill>
+                <a:latin typeface="宋体" panose="02010600030101010101" pitchFamily="2" charset="-122"/>
+                <a:sym typeface="宋体" panose="02010600030101010101" pitchFamily="2" charset="-122"/>
+              </a:endParaRPr>
+            </a:p>
+          </p:txBody>
+        </p:sp>
+      </p:grpSp>
+      <p:sp>
+        <p:nvSpPr>
+          <p:cNvPr id="12293" name="文本框 46">
+            <a:extLst>
+              <a:ext uri="{FF2B5EF4-FFF2-40B4-BE49-F238E27FC236}">
+                <a16:creationId xmlns:a16="http://schemas.microsoft.com/office/drawing/2014/main" id="{206A64F7-7686-774E-9837-C8AAFFC178BE}"/>
+              </a:ext>
+            </a:extLst>
+          </p:cNvPr>
+          <p:cNvSpPr>
+            <a:spLocks noChangeArrowheads="1"/>
+          </p:cNvSpPr>
+          <p:nvPr/>
+        </p:nvSpPr>
+        <p:spPr bwMode="auto">
+          <a:xfrm>
+            <a:off x="-672795" y="87756"/>
+            <a:ext cx="8775700" cy="646331"/>
+          </a:xfrm>
+          <a:prstGeom prst="rect">
+            <a:avLst/>
+          </a:prstGeom>
+          <a:noFill/>
+          <a:ln>
+            <a:noFill/>
+          </a:ln>
+          <a:extLst>
+            <a:ext uri="{909E8E84-426E-40DD-AFC4-6F175D3DCCD1}">
+              <a14:hiddenFill xmlns:a14="http://schemas.microsoft.com/office/drawing/2010/main">
+                <a:solidFill>
+                  <a:srgbClr val="FFFFFF"/>
+                </a:solidFill>
+              </a14:hiddenFill>
+            </a:ext>
+            <a:ext uri="{91240B29-F687-4F45-9708-019B960494DF}">
+              <a14:hiddenLine xmlns:a14="http://schemas.microsoft.com/office/drawing/2010/main" w="9525">
+                <a:solidFill>
+                  <a:srgbClr val="000000"/>
+                </a:solidFill>
+                <a:miter lim="800000"/>
+                <a:headEnd/>
+                <a:tailEnd/>
+              </a14:hiddenLine>
+            </a:ext>
+          </a:extLst>
+        </p:spPr>
+        <p:txBody>
+          <a:bodyPr>
+            <a:spAutoFit/>
+          </a:bodyPr>
+          <a:lstStyle/>
+          <a:p>
+            <a:pPr algn="ctr"/>
+            <a:endParaRPr lang="en-US" altLang="zh-CN" dirty="0">
+              <a:solidFill>
+                <a:schemeClr val="tx1">
+                  <a:lumMod val="65000"/>
+                  <a:lumOff val="35000"/>
+                </a:schemeClr>
+              </a:solidFill>
+              <a:latin typeface="微软雅黑" panose="020B0503020204020204" pitchFamily="34" charset="-122"/>
+              <a:ea typeface="微软雅黑" panose="020B0503020204020204" pitchFamily="34" charset="-122"/>
+              <a:sym typeface="微软雅黑" panose="020B0503020204020204" pitchFamily="34" charset="-122"/>
+            </a:endParaRPr>
+          </a:p>
+          <a:p>
+            <a:pPr algn="ctr"/>
+            <a:r>
+              <a:rPr lang="en-US" altLang="zh-CN" dirty="0">
+                <a:solidFill>
+                  <a:schemeClr val="tx1">
+                    <a:lumMod val="65000"/>
+                    <a:lumOff val="35000"/>
+                  </a:schemeClr>
+                </a:solidFill>
+                <a:latin typeface="微软雅黑" panose="020B0503020204020204" pitchFamily="34" charset="-122"/>
+                <a:ea typeface="微软雅黑" panose="020B0503020204020204" pitchFamily="34" charset="-122"/>
+                <a:sym typeface="微软雅黑" panose="020B0503020204020204" pitchFamily="34" charset="-122"/>
+              </a:rPr>
+              <a:t>Monitor</a:t>
+            </a:r>
+            <a:endParaRPr lang="zh-CN" altLang="en-US" dirty="0">
+              <a:solidFill>
+                <a:schemeClr val="tx1">
+                  <a:lumMod val="65000"/>
+                  <a:lumOff val="35000"/>
+                </a:schemeClr>
+              </a:solidFill>
+              <a:latin typeface="微软雅黑" panose="020B0503020204020204" pitchFamily="34" charset="-122"/>
+              <a:ea typeface="微软雅黑" panose="020B0503020204020204" pitchFamily="34" charset="-122"/>
+              <a:sym typeface="微软雅黑" panose="020B0503020204020204" pitchFamily="34" charset="-122"/>
+            </a:endParaRPr>
+          </a:p>
+        </p:txBody>
+      </p:sp>
+      <p:sp>
+        <p:nvSpPr>
+          <p:cNvPr id="12294" name="直接连接符 48">
+            <a:extLst>
+              <a:ext uri="{FF2B5EF4-FFF2-40B4-BE49-F238E27FC236}">
+                <a16:creationId xmlns:a16="http://schemas.microsoft.com/office/drawing/2014/main" id="{80A048A9-1442-984A-A1DA-1DFD699FF62C}"/>
+              </a:ext>
+            </a:extLst>
+          </p:cNvPr>
+          <p:cNvSpPr>
+            <a:spLocks noChangeShapeType="1"/>
+          </p:cNvSpPr>
+          <p:nvPr/>
+        </p:nvSpPr>
+        <p:spPr bwMode="auto">
+          <a:xfrm>
+            <a:off x="1141413" y="751612"/>
+            <a:ext cx="11031537" cy="0"/>
+          </a:xfrm>
+          <a:prstGeom prst="line">
+            <a:avLst/>
+          </a:prstGeom>
+          <a:noFill/>
+          <a:ln w="6350" cap="flat" cmpd="sng">
+            <a:solidFill>
+              <a:srgbClr val="7F7F7F"/>
+            </a:solidFill>
+            <a:bevel/>
+            <a:headEnd/>
+            <a:tailEnd/>
+          </a:ln>
+          <a:extLst>
+            <a:ext uri="{909E8E84-426E-40DD-AFC4-6F175D3DCCD1}">
+              <a14:hiddenFill xmlns:a14="http://schemas.microsoft.com/office/drawing/2010/main">
+                <a:noFill/>
+              </a14:hiddenFill>
+            </a:ext>
+          </a:extLst>
+        </p:spPr>
+        <p:txBody>
+          <a:bodyPr/>
+          <a:lstStyle/>
+          <a:p>
+            <a:endParaRPr lang="zh-CN" altLang="en-US"/>
+          </a:p>
+        </p:txBody>
+      </p:sp>
+      <p:sp>
+        <p:nvSpPr>
+          <p:cNvPr id="18" name="矩形 17">
+            <a:extLst>
+              <a:ext uri="{FF2B5EF4-FFF2-40B4-BE49-F238E27FC236}">
+                <a16:creationId xmlns:a16="http://schemas.microsoft.com/office/drawing/2014/main" id="{78B2E27B-4B42-2043-B359-4117B23E5523}"/>
+              </a:ext>
+            </a:extLst>
+          </p:cNvPr>
+          <p:cNvSpPr/>
+          <p:nvPr/>
+        </p:nvSpPr>
+        <p:spPr>
+          <a:xfrm>
+            <a:off x="337792" y="4200195"/>
+            <a:ext cx="5884047" cy="1015663"/>
+          </a:xfrm>
+          <a:prstGeom prst="rect">
+            <a:avLst/>
+          </a:prstGeom>
+        </p:spPr>
+        <p:txBody>
+          <a:bodyPr wrap="none">
+            <a:spAutoFit/>
+          </a:bodyPr>
+          <a:lstStyle/>
+          <a:p>
+            <a:pPr marL="457200" indent="-457200" algn="just">
+              <a:buFontTx/>
+              <a:buChar char="-"/>
+            </a:pPr>
+            <a:r>
+              <a:rPr lang="en-US" altLang="zh-Hans" sz="3000" dirty="0">
+                <a:solidFill>
+                  <a:srgbClr val="7030A0"/>
+                </a:solidFill>
+                <a:latin typeface="Microsoft YaHei" panose="020B0503020204020204" pitchFamily="34" charset="-122"/>
+                <a:ea typeface="Microsoft YaHei" panose="020B0503020204020204" pitchFamily="34" charset="-122"/>
+              </a:rPr>
+              <a:t>Use</a:t>
+            </a:r>
+            <a:r>
+              <a:rPr lang="zh-Hans" altLang="en-US" sz="3000" dirty="0">
+                <a:solidFill>
+                  <a:srgbClr val="7030A0"/>
+                </a:solidFill>
+                <a:latin typeface="Microsoft YaHei" panose="020B0503020204020204" pitchFamily="34" charset="-122"/>
+                <a:ea typeface="Microsoft YaHei" panose="020B0503020204020204" pitchFamily="34" charset="-122"/>
+              </a:rPr>
+              <a:t> </a:t>
+            </a:r>
+            <a:r>
+              <a:rPr lang="en" altLang="zh-Hans" sz="3000" dirty="0">
+                <a:solidFill>
+                  <a:srgbClr val="7030A0"/>
+                </a:solidFill>
+                <a:latin typeface="Microsoft YaHei" panose="020B0503020204020204" pitchFamily="34" charset="-122"/>
+                <a:ea typeface="Microsoft YaHei" panose="020B0503020204020204" pitchFamily="34" charset="-122"/>
+              </a:rPr>
+              <a:t>Vigil Monitoring Service</a:t>
+            </a:r>
+          </a:p>
+          <a:p>
+            <a:pPr marL="457200" indent="-457200" algn="just">
+              <a:buFontTx/>
+              <a:buChar char="-"/>
+            </a:pPr>
+            <a:endParaRPr lang="en-US" altLang="zh-Hans" sz="3000" dirty="0">
+              <a:solidFill>
+                <a:srgbClr val="C00000"/>
+              </a:solidFill>
+              <a:latin typeface="Microsoft YaHei" panose="020B0503020204020204" pitchFamily="34" charset="-122"/>
+              <a:ea typeface="Microsoft YaHei" panose="020B0503020204020204" pitchFamily="34" charset="-122"/>
+            </a:endParaRPr>
+          </a:p>
+        </p:txBody>
+      </p:sp>
+      <p:sp>
+        <p:nvSpPr>
+          <p:cNvPr id="10" name="五边形 44">
+            <a:extLst>
+              <a:ext uri="{FF2B5EF4-FFF2-40B4-BE49-F238E27FC236}">
+                <a16:creationId xmlns:a16="http://schemas.microsoft.com/office/drawing/2014/main" id="{B74BDB2F-FC88-7A4C-999E-DB9A8B2A71EF}"/>
+              </a:ext>
+            </a:extLst>
+          </p:cNvPr>
+          <p:cNvSpPr>
+            <a:spLocks noChangeArrowheads="1"/>
+          </p:cNvSpPr>
+          <p:nvPr/>
+        </p:nvSpPr>
+        <p:spPr bwMode="auto">
+          <a:xfrm rot="5400000">
+            <a:off x="138906" y="103981"/>
+            <a:ext cx="1146176" cy="896938"/>
+          </a:xfrm>
+          <a:prstGeom prst="homePlate">
+            <a:avLst>
+              <a:gd name="adj" fmla="val 31983"/>
+            </a:avLst>
+          </a:prstGeom>
+          <a:solidFill>
+            <a:srgbClr val="7030A0"/>
+          </a:solidFill>
+          <a:ln>
+            <a:noFill/>
+          </a:ln>
+        </p:spPr>
+        <p:txBody>
+          <a:bodyPr anchor="ctr"/>
+          <a:lstStyle/>
+          <a:p>
+            <a:pPr algn="ctr"/>
+            <a:endParaRPr lang="zh-CN" altLang="zh-CN">
+              <a:solidFill>
+                <a:srgbClr val="FFFFFF"/>
+              </a:solidFill>
+              <a:latin typeface="宋体" panose="02010600030101010101" pitchFamily="2" charset="-122"/>
+              <a:sym typeface="宋体" panose="02010600030101010101" pitchFamily="2" charset="-122"/>
+            </a:endParaRPr>
+          </a:p>
+        </p:txBody>
+      </p:sp>
+      <p:sp>
+        <p:nvSpPr>
+          <p:cNvPr id="12" name="文本框 11">
+            <a:extLst>
+              <a:ext uri="{FF2B5EF4-FFF2-40B4-BE49-F238E27FC236}">
+                <a16:creationId xmlns:a16="http://schemas.microsoft.com/office/drawing/2014/main" id="{A7C4F0BC-E4EF-9C48-8BB7-4522DEF1E692}"/>
+              </a:ext>
+            </a:extLst>
+          </p:cNvPr>
+          <p:cNvSpPr txBox="1"/>
+          <p:nvPr/>
+        </p:nvSpPr>
+        <p:spPr>
+          <a:xfrm>
+            <a:off x="337792" y="156628"/>
+            <a:ext cx="771365" cy="584775"/>
+          </a:xfrm>
+          <a:prstGeom prst="rect">
+            <a:avLst/>
+          </a:prstGeom>
+          <a:noFill/>
+        </p:spPr>
+        <p:txBody>
+          <a:bodyPr wrap="none" rtlCol="0">
+            <a:spAutoFit/>
+          </a:bodyPr>
+          <a:lstStyle/>
+          <a:p>
+            <a:r>
+              <a:rPr kumimoji="1" lang="en-US" altLang="zh-Hans" sz="3200" dirty="0">
+                <a:solidFill>
+                  <a:schemeClr val="bg1"/>
+                </a:solidFill>
+                <a:latin typeface="Microsoft YaHei" panose="020B0503020204020204" pitchFamily="34" charset="-122"/>
+                <a:ea typeface="Microsoft YaHei" panose="020B0503020204020204" pitchFamily="34" charset="-122"/>
+                <a:cs typeface="Calibri" panose="020F0502020204030204" pitchFamily="34" charset="0"/>
+              </a:rPr>
+              <a:t>CD</a:t>
+            </a:r>
+            <a:endParaRPr kumimoji="1" lang="zh-CN" altLang="en-US" sz="3200" dirty="0">
+              <a:solidFill>
+                <a:schemeClr val="bg1"/>
+              </a:solidFill>
+              <a:latin typeface="Microsoft YaHei" panose="020B0503020204020204" pitchFamily="34" charset="-122"/>
+              <a:ea typeface="Microsoft YaHei" panose="020B0503020204020204" pitchFamily="34" charset="-122"/>
+              <a:cs typeface="Calibri" panose="020F0502020204030204" pitchFamily="34" charset="0"/>
+            </a:endParaRPr>
+          </a:p>
+        </p:txBody>
+      </p:sp>
+      <p:sp>
+        <p:nvSpPr>
+          <p:cNvPr id="13" name="文本框 12">
+            <a:extLst>
+              <a:ext uri="{FF2B5EF4-FFF2-40B4-BE49-F238E27FC236}">
+                <a16:creationId xmlns:a16="http://schemas.microsoft.com/office/drawing/2014/main" id="{596CDA8A-4E63-AC4D-A2EC-45E958190601}"/>
+              </a:ext>
+            </a:extLst>
+          </p:cNvPr>
+          <p:cNvSpPr txBox="1"/>
+          <p:nvPr/>
+        </p:nvSpPr>
+        <p:spPr>
+          <a:xfrm>
+            <a:off x="1222590" y="217754"/>
+            <a:ext cx="1329338" cy="461665"/>
+          </a:xfrm>
+          <a:prstGeom prst="rect">
+            <a:avLst/>
+          </a:prstGeom>
+          <a:noFill/>
+        </p:spPr>
+        <p:txBody>
+          <a:bodyPr wrap="none" rtlCol="0">
+            <a:spAutoFit/>
+          </a:bodyPr>
+          <a:lstStyle/>
+          <a:p>
+            <a:r>
+              <a:rPr kumimoji="1" lang="en-US" altLang="zh-CN" sz="2400" b="1" dirty="0">
+                <a:solidFill>
+                  <a:srgbClr val="7030A0"/>
+                </a:solidFill>
+                <a:latin typeface="Microsoft YaHei" panose="020B0503020204020204" pitchFamily="34" charset="-122"/>
+                <a:ea typeface="Microsoft YaHei" panose="020B0503020204020204" pitchFamily="34" charset="-122"/>
+              </a:rPr>
+              <a:t>Heroku</a:t>
+            </a:r>
+            <a:endParaRPr kumimoji="1" lang="zh-CN" altLang="en-US" sz="2400" b="1" dirty="0">
+              <a:solidFill>
+                <a:srgbClr val="7030A0"/>
+              </a:solidFill>
+              <a:latin typeface="Microsoft YaHei" panose="020B0503020204020204" pitchFamily="34" charset="-122"/>
+              <a:ea typeface="Microsoft YaHei" panose="020B0503020204020204" pitchFamily="34" charset="-122"/>
+            </a:endParaRPr>
+          </a:p>
+        </p:txBody>
+      </p:sp>
+      <p:sp>
+        <p:nvSpPr>
+          <p:cNvPr id="2" name="矩形 1">
+            <a:extLst>
+              <a:ext uri="{FF2B5EF4-FFF2-40B4-BE49-F238E27FC236}">
+                <a16:creationId xmlns:a16="http://schemas.microsoft.com/office/drawing/2014/main" id="{64786B74-E740-E14E-AB54-D9506555DCE7}"/>
+              </a:ext>
+            </a:extLst>
+          </p:cNvPr>
+          <p:cNvSpPr/>
+          <p:nvPr/>
+        </p:nvSpPr>
+        <p:spPr>
+          <a:xfrm>
+            <a:off x="711994" y="4841933"/>
+            <a:ext cx="9737602" cy="1200329"/>
+          </a:xfrm>
+          <a:prstGeom prst="rect">
+            <a:avLst/>
+          </a:prstGeom>
+        </p:spPr>
+        <p:txBody>
+          <a:bodyPr wrap="none">
+            <a:spAutoFit/>
+          </a:bodyPr>
+          <a:lstStyle/>
+          <a:p>
+            <a:r>
+              <a:rPr lang="en-US" altLang="zh-Hans" sz="2400" dirty="0">
+                <a:solidFill>
+                  <a:srgbClr val="7030A0"/>
+                </a:solidFill>
+                <a:latin typeface="Calibri" panose="020F0502020204030204" pitchFamily="34" charset="0"/>
+                <a:cs typeface="Calibri" panose="020F0502020204030204" pitchFamily="34" charset="0"/>
+              </a:rPr>
+              <a:t>$</a:t>
+            </a:r>
+            <a:r>
+              <a:rPr lang="zh-Hans" altLang="en-US" sz="2400" dirty="0">
+                <a:latin typeface="Calibri" panose="020F0502020204030204" pitchFamily="34" charset="0"/>
+                <a:cs typeface="Calibri" panose="020F0502020204030204" pitchFamily="34" charset="0"/>
+              </a:rPr>
+              <a:t> </a:t>
+            </a:r>
+            <a:r>
+              <a:rPr lang="en" altLang="zh-CN" sz="2400" dirty="0" err="1">
+                <a:solidFill>
+                  <a:schemeClr val="tx1">
+                    <a:lumMod val="65000"/>
+                    <a:lumOff val="35000"/>
+                  </a:schemeClr>
+                </a:solidFill>
+                <a:latin typeface="Calibri" panose="020F0502020204030204" pitchFamily="34" charset="0"/>
+                <a:cs typeface="Calibri" panose="020F0502020204030204" pitchFamily="34" charset="0"/>
+              </a:rPr>
+              <a:t>heroku</a:t>
+            </a:r>
+            <a:r>
+              <a:rPr lang="en" altLang="zh-CN" sz="2400" dirty="0">
+                <a:solidFill>
+                  <a:schemeClr val="tx1">
+                    <a:lumMod val="65000"/>
+                    <a:lumOff val="35000"/>
+                  </a:schemeClr>
+                </a:solidFill>
+                <a:latin typeface="Calibri" panose="020F0502020204030204" pitchFamily="34" charset="0"/>
+                <a:cs typeface="Calibri" panose="020F0502020204030204" pitchFamily="34" charset="0"/>
+              </a:rPr>
+              <a:t> </a:t>
+            </a:r>
+            <a:r>
+              <a:rPr lang="en" altLang="zh-CN" sz="2400" dirty="0" err="1">
+                <a:solidFill>
+                  <a:schemeClr val="tx1">
+                    <a:lumMod val="65000"/>
+                    <a:lumOff val="35000"/>
+                  </a:schemeClr>
+                </a:solidFill>
+                <a:latin typeface="Calibri" panose="020F0502020204030204" pitchFamily="34" charset="0"/>
+                <a:cs typeface="Calibri" panose="020F0502020204030204" pitchFamily="34" charset="0"/>
+              </a:rPr>
+              <a:t>addons:create</a:t>
+            </a:r>
+            <a:r>
+              <a:rPr lang="en" altLang="zh-CN" sz="2400" dirty="0">
+                <a:solidFill>
+                  <a:schemeClr val="tx1">
+                    <a:lumMod val="65000"/>
+                    <a:lumOff val="35000"/>
+                  </a:schemeClr>
+                </a:solidFill>
+                <a:latin typeface="Calibri" panose="020F0502020204030204" pitchFamily="34" charset="0"/>
+                <a:cs typeface="Calibri" panose="020F0502020204030204" pitchFamily="34" charset="0"/>
+              </a:rPr>
+              <a:t> vigil</a:t>
+            </a:r>
+          </a:p>
+          <a:p>
+            <a:r>
+              <a:rPr lang="en-US" altLang="zh-Hans" sz="2400" dirty="0">
+                <a:solidFill>
+                  <a:srgbClr val="7030A0"/>
+                </a:solidFill>
+                <a:latin typeface="Calibri" panose="020F0502020204030204" pitchFamily="34" charset="0"/>
+                <a:cs typeface="Calibri" panose="020F0502020204030204" pitchFamily="34" charset="0"/>
+              </a:rPr>
+              <a:t>$</a:t>
+            </a:r>
+            <a:r>
+              <a:rPr lang="zh-Hans" altLang="en-US" sz="2400" dirty="0">
+                <a:latin typeface="Calibri" panose="020F0502020204030204" pitchFamily="34" charset="0"/>
+                <a:cs typeface="Calibri" panose="020F0502020204030204" pitchFamily="34" charset="0"/>
+              </a:rPr>
+              <a:t> </a:t>
+            </a:r>
+            <a:r>
+              <a:rPr lang="en" altLang="zh-CN" sz="2400" dirty="0" err="1">
+                <a:solidFill>
+                  <a:schemeClr val="tx1">
+                    <a:lumMod val="65000"/>
+                    <a:lumOff val="35000"/>
+                  </a:schemeClr>
+                </a:solidFill>
+                <a:latin typeface="Calibri" panose="020F0502020204030204" pitchFamily="34" charset="0"/>
+                <a:cs typeface="Calibri" panose="020F0502020204030204" pitchFamily="34" charset="0"/>
+              </a:rPr>
+              <a:t>heroku</a:t>
+            </a:r>
+            <a:r>
+              <a:rPr lang="en" altLang="zh-CN" sz="2400" dirty="0">
+                <a:solidFill>
+                  <a:schemeClr val="tx1">
+                    <a:lumMod val="65000"/>
+                    <a:lumOff val="35000"/>
+                  </a:schemeClr>
+                </a:solidFill>
+                <a:latin typeface="Calibri" panose="020F0502020204030204" pitchFamily="34" charset="0"/>
+                <a:cs typeface="Calibri" panose="020F0502020204030204" pitchFamily="34" charset="0"/>
+              </a:rPr>
+              <a:t> </a:t>
+            </a:r>
+            <a:r>
+              <a:rPr lang="en" altLang="zh-CN" sz="2400" dirty="0" err="1">
+                <a:solidFill>
+                  <a:schemeClr val="tx1">
+                    <a:lumMod val="65000"/>
+                    <a:lumOff val="35000"/>
+                  </a:schemeClr>
+                </a:solidFill>
+                <a:latin typeface="Calibri" panose="020F0502020204030204" pitchFamily="34" charset="0"/>
+                <a:cs typeface="Calibri" panose="020F0502020204030204" pitchFamily="34" charset="0"/>
+              </a:rPr>
+              <a:t>addons:open</a:t>
+            </a:r>
+            <a:r>
+              <a:rPr lang="en" altLang="zh-CN" sz="2400" dirty="0">
+                <a:solidFill>
+                  <a:schemeClr val="tx1">
+                    <a:lumMod val="65000"/>
+                    <a:lumOff val="35000"/>
+                  </a:schemeClr>
+                </a:solidFill>
+                <a:latin typeface="Calibri" panose="020F0502020204030204" pitchFamily="34" charset="0"/>
+                <a:cs typeface="Calibri" panose="020F0502020204030204" pitchFamily="34" charset="0"/>
+              </a:rPr>
+              <a:t> vigil</a:t>
+            </a:r>
+          </a:p>
+          <a:p>
+            <a:r>
+              <a:rPr lang="en-US" altLang="zh-Hans" sz="2400" dirty="0">
+                <a:solidFill>
+                  <a:srgbClr val="7030A0"/>
+                </a:solidFill>
+                <a:latin typeface="Calibri" panose="020F0502020204030204" pitchFamily="34" charset="0"/>
+                <a:cs typeface="Calibri" panose="020F0502020204030204" pitchFamily="34" charset="0"/>
+              </a:rPr>
+              <a:t>$</a:t>
+            </a:r>
+            <a:r>
+              <a:rPr lang="zh-Hans" altLang="en-US" sz="2400" dirty="0">
+                <a:latin typeface="Calibri" panose="020F0502020204030204" pitchFamily="34" charset="0"/>
+                <a:cs typeface="Calibri" panose="020F0502020204030204" pitchFamily="34" charset="0"/>
+              </a:rPr>
+              <a:t> </a:t>
+            </a:r>
+            <a:r>
+              <a:rPr lang="en" altLang="zh-CN" sz="2400" dirty="0" err="1">
+                <a:solidFill>
+                  <a:schemeClr val="tx1">
+                    <a:lumMod val="65000"/>
+                    <a:lumOff val="35000"/>
+                  </a:schemeClr>
+                </a:solidFill>
+                <a:latin typeface="Calibri" panose="020F0502020204030204" pitchFamily="34" charset="0"/>
+                <a:cs typeface="Calibri" panose="020F0502020204030204" pitchFamily="34" charset="0"/>
+              </a:rPr>
+              <a:t>heroku</a:t>
+            </a:r>
+            <a:r>
+              <a:rPr lang="en" altLang="zh-CN" sz="2400" dirty="0">
+                <a:solidFill>
+                  <a:schemeClr val="tx1">
+                    <a:lumMod val="65000"/>
+                    <a:lumOff val="35000"/>
+                  </a:schemeClr>
+                </a:solidFill>
+                <a:latin typeface="Calibri" panose="020F0502020204030204" pitchFamily="34" charset="0"/>
+                <a:cs typeface="Calibri" panose="020F0502020204030204" pitchFamily="34" charset="0"/>
+              </a:rPr>
+              <a:t> </a:t>
+            </a:r>
+            <a:r>
+              <a:rPr lang="en" altLang="zh-CN" sz="2400" dirty="0" err="1">
+                <a:solidFill>
+                  <a:schemeClr val="tx1">
+                    <a:lumMod val="65000"/>
+                    <a:lumOff val="35000"/>
+                  </a:schemeClr>
+                </a:solidFill>
+                <a:latin typeface="Calibri" panose="020F0502020204030204" pitchFamily="34" charset="0"/>
+                <a:cs typeface="Calibri" panose="020F0502020204030204" pitchFamily="34" charset="0"/>
+              </a:rPr>
+              <a:t>config:set</a:t>
+            </a:r>
+            <a:r>
+              <a:rPr lang="en" altLang="zh-CN" sz="2400" dirty="0">
+                <a:solidFill>
+                  <a:schemeClr val="tx1">
+                    <a:lumMod val="65000"/>
+                    <a:lumOff val="35000"/>
+                  </a:schemeClr>
+                </a:solidFill>
+                <a:latin typeface="Calibri" panose="020F0502020204030204" pitchFamily="34" charset="0"/>
+                <a:cs typeface="Calibri" panose="020F0502020204030204" pitchFamily="34" charset="0"/>
+              </a:rPr>
+              <a:t> VIGIL_AUTO_ADD_DOMAINS=0</a:t>
+            </a:r>
+            <a:r>
+              <a:rPr lang="zh-Hans" altLang="en-US" sz="2400" dirty="0">
+                <a:solidFill>
+                  <a:schemeClr val="tx1">
+                    <a:lumMod val="65000"/>
+                    <a:lumOff val="35000"/>
+                  </a:schemeClr>
+                </a:solidFill>
+                <a:latin typeface="Calibri" panose="020F0502020204030204" pitchFamily="34" charset="0"/>
+                <a:cs typeface="Calibri" panose="020F0502020204030204" pitchFamily="34" charset="0"/>
+              </a:rPr>
+              <a:t>  </a:t>
+            </a:r>
+            <a:r>
+              <a:rPr lang="en-US" altLang="zh-Hans" sz="2400" dirty="0">
+                <a:solidFill>
+                  <a:schemeClr val="tx1">
+                    <a:lumMod val="65000"/>
+                    <a:lumOff val="35000"/>
+                  </a:schemeClr>
+                </a:solidFill>
+                <a:latin typeface="Calibri" panose="020F0502020204030204" pitchFamily="34" charset="0"/>
+                <a:cs typeface="Calibri" panose="020F0502020204030204" pitchFamily="34" charset="0"/>
+              </a:rPr>
+              <a:t>(disable</a:t>
+            </a:r>
+            <a:r>
+              <a:rPr lang="zh-Hans" altLang="en-US" sz="2400" dirty="0">
+                <a:solidFill>
+                  <a:schemeClr val="tx1">
+                    <a:lumMod val="65000"/>
+                    <a:lumOff val="35000"/>
+                  </a:schemeClr>
+                </a:solidFill>
+                <a:latin typeface="Calibri" panose="020F0502020204030204" pitchFamily="34" charset="0"/>
+                <a:cs typeface="Calibri" panose="020F0502020204030204" pitchFamily="34" charset="0"/>
+              </a:rPr>
+              <a:t> </a:t>
+            </a:r>
+            <a:r>
+              <a:rPr lang="en-US" altLang="zh-Hans" sz="2400" dirty="0">
+                <a:solidFill>
+                  <a:schemeClr val="tx1">
+                    <a:lumMod val="65000"/>
+                    <a:lumOff val="35000"/>
+                  </a:schemeClr>
+                </a:solidFill>
+                <a:latin typeface="Calibri" panose="020F0502020204030204" pitchFamily="34" charset="0"/>
+                <a:cs typeface="Calibri" panose="020F0502020204030204" pitchFamily="34" charset="0"/>
+              </a:rPr>
+              <a:t>the</a:t>
+            </a:r>
+            <a:r>
+              <a:rPr lang="zh-Hans" altLang="en-US" sz="2400" dirty="0">
+                <a:solidFill>
+                  <a:schemeClr val="tx1">
+                    <a:lumMod val="65000"/>
+                    <a:lumOff val="35000"/>
+                  </a:schemeClr>
+                </a:solidFill>
+                <a:latin typeface="Calibri" panose="020F0502020204030204" pitchFamily="34" charset="0"/>
+                <a:cs typeface="Calibri" panose="020F0502020204030204" pitchFamily="34" charset="0"/>
+              </a:rPr>
+              <a:t> </a:t>
+            </a:r>
+            <a:r>
+              <a:rPr lang="en-US" altLang="zh-Hans" sz="2400" dirty="0">
+                <a:solidFill>
+                  <a:schemeClr val="tx1">
+                    <a:lumMod val="65000"/>
+                    <a:lumOff val="35000"/>
+                  </a:schemeClr>
+                </a:solidFill>
+                <a:latin typeface="Calibri" panose="020F0502020204030204" pitchFamily="34" charset="0"/>
+                <a:cs typeface="Calibri" panose="020F0502020204030204" pitchFamily="34" charset="0"/>
+              </a:rPr>
+              <a:t>monitoring)</a:t>
+            </a:r>
+            <a:endParaRPr lang="zh-CN" altLang="en-US" sz="2400" dirty="0">
+              <a:solidFill>
+                <a:schemeClr val="tx1">
+                  <a:lumMod val="65000"/>
+                  <a:lumOff val="35000"/>
+                </a:schemeClr>
+              </a:solidFill>
+              <a:latin typeface="Calibri" panose="020F0502020204030204" pitchFamily="34" charset="0"/>
+              <a:cs typeface="Calibri" panose="020F0502020204030204" pitchFamily="34" charset="0"/>
+            </a:endParaRPr>
+          </a:p>
+        </p:txBody>
+      </p:sp>
+      <p:sp>
+        <p:nvSpPr>
+          <p:cNvPr id="3" name="矩形 2">
+            <a:extLst>
+              <a:ext uri="{FF2B5EF4-FFF2-40B4-BE49-F238E27FC236}">
+                <a16:creationId xmlns:a16="http://schemas.microsoft.com/office/drawing/2014/main" id="{472FE588-CC99-9940-B500-A779BB2F057C}"/>
+              </a:ext>
+            </a:extLst>
+          </p:cNvPr>
+          <p:cNvSpPr/>
+          <p:nvPr/>
+        </p:nvSpPr>
+        <p:spPr>
+          <a:xfrm>
+            <a:off x="337792" y="1143063"/>
+            <a:ext cx="2871299" cy="553998"/>
+          </a:xfrm>
+          <a:prstGeom prst="rect">
+            <a:avLst/>
+          </a:prstGeom>
+        </p:spPr>
+        <p:txBody>
+          <a:bodyPr wrap="none">
+            <a:spAutoFit/>
+          </a:bodyPr>
+          <a:lstStyle/>
+          <a:p>
+            <a:pPr marL="457200" lvl="0" indent="-457200" algn="just">
+              <a:buFontTx/>
+              <a:buChar char="-"/>
+            </a:pPr>
+            <a:r>
+              <a:rPr lang="en-US" altLang="zh-Hans" sz="3000" dirty="0">
+                <a:solidFill>
+                  <a:srgbClr val="7030A0"/>
+                </a:solidFill>
+                <a:latin typeface="Microsoft YaHei" panose="020B0503020204020204" pitchFamily="34" charset="-122"/>
+                <a:ea typeface="Microsoft YaHei" panose="020B0503020204020204" pitchFamily="34" charset="-122"/>
+              </a:rPr>
+              <a:t>Use</a:t>
+            </a:r>
+            <a:r>
+              <a:rPr lang="zh-Hans" altLang="en-US" sz="3000" dirty="0">
+                <a:solidFill>
+                  <a:srgbClr val="7030A0"/>
+                </a:solidFill>
+                <a:latin typeface="Microsoft YaHei" panose="020B0503020204020204" pitchFamily="34" charset="-122"/>
+                <a:ea typeface="Microsoft YaHei" panose="020B0503020204020204" pitchFamily="34" charset="-122"/>
+              </a:rPr>
+              <a:t> </a:t>
+            </a:r>
+            <a:r>
+              <a:rPr lang="en-US" altLang="zh-Hans" sz="3000" dirty="0">
+                <a:solidFill>
+                  <a:srgbClr val="7030A0"/>
+                </a:solidFill>
+                <a:latin typeface="Microsoft YaHei" panose="020B0503020204020204" pitchFamily="34" charset="-122"/>
+                <a:ea typeface="Microsoft YaHei" panose="020B0503020204020204" pitchFamily="34" charset="-122"/>
+              </a:rPr>
+              <a:t>logging</a:t>
+            </a:r>
+          </a:p>
+        </p:txBody>
+      </p:sp>
+      <p:sp>
+        <p:nvSpPr>
+          <p:cNvPr id="7" name="矩形 6">
+            <a:extLst>
+              <a:ext uri="{FF2B5EF4-FFF2-40B4-BE49-F238E27FC236}">
+                <a16:creationId xmlns:a16="http://schemas.microsoft.com/office/drawing/2014/main" id="{A2B70173-029E-C240-8122-921C3FADF762}"/>
+              </a:ext>
+            </a:extLst>
+          </p:cNvPr>
+          <p:cNvSpPr/>
+          <p:nvPr/>
+        </p:nvSpPr>
+        <p:spPr>
+          <a:xfrm>
+            <a:off x="846589" y="1770108"/>
+            <a:ext cx="1590500" cy="1477328"/>
+          </a:xfrm>
+          <a:prstGeom prst="rect">
+            <a:avLst/>
+          </a:prstGeom>
+        </p:spPr>
+        <p:txBody>
+          <a:bodyPr wrap="none">
+            <a:spAutoFit/>
+          </a:bodyPr>
+          <a:lstStyle/>
+          <a:p>
+            <a:r>
+              <a:rPr lang="en-US" altLang="zh-Hans" dirty="0">
+                <a:solidFill>
+                  <a:srgbClr val="7030A0"/>
+                </a:solidFill>
+                <a:latin typeface="Microsoft YaHei" panose="020B0503020204020204" pitchFamily="34" charset="-122"/>
+                <a:ea typeface="Microsoft YaHei" panose="020B0503020204020204" pitchFamily="34" charset="-122"/>
+              </a:rPr>
+              <a:t>T</a:t>
+            </a:r>
+            <a:r>
+              <a:rPr lang="en-US" altLang="zh-Hans" b="0" i="0" dirty="0">
+                <a:solidFill>
+                  <a:srgbClr val="7030A0"/>
+                </a:solidFill>
+                <a:effectLst/>
+                <a:latin typeface="Microsoft YaHei" panose="020B0503020204020204" pitchFamily="34" charset="-122"/>
+                <a:ea typeface="Microsoft YaHei" panose="020B0503020204020204" pitchFamily="34" charset="-122"/>
+              </a:rPr>
+              <a:t>ypes</a:t>
+            </a:r>
+            <a:endParaRPr lang="en" altLang="zh-CN" b="0" i="0" dirty="0">
+              <a:solidFill>
+                <a:srgbClr val="7030A0"/>
+              </a:solidFill>
+              <a:effectLst/>
+              <a:latin typeface="Microsoft YaHei" panose="020B0503020204020204" pitchFamily="34" charset="-122"/>
+              <a:ea typeface="Microsoft YaHei" panose="020B0503020204020204" pitchFamily="34" charset="-122"/>
+            </a:endParaRPr>
+          </a:p>
+          <a:p>
+            <a:pPr marL="285750" indent="-285750">
+              <a:buFontTx/>
+              <a:buChar char="-"/>
+            </a:pPr>
+            <a:r>
+              <a:rPr lang="en" altLang="zh-CN" b="0" i="0" dirty="0">
+                <a:solidFill>
+                  <a:srgbClr val="383E40"/>
+                </a:solidFill>
+                <a:effectLst/>
+                <a:latin typeface="BentonSans"/>
+              </a:rPr>
+              <a:t>App logs </a:t>
+            </a:r>
+          </a:p>
+          <a:p>
+            <a:pPr marL="285750" indent="-285750">
+              <a:buFontTx/>
+              <a:buChar char="-"/>
+            </a:pPr>
+            <a:r>
+              <a:rPr lang="en" altLang="zh-CN" b="0" i="0" dirty="0">
+                <a:solidFill>
+                  <a:srgbClr val="383E40"/>
+                </a:solidFill>
+                <a:effectLst/>
+                <a:latin typeface="BentonSans"/>
+              </a:rPr>
+              <a:t>System logs</a:t>
+            </a:r>
+          </a:p>
+          <a:p>
+            <a:pPr marL="285750" indent="-285750">
+              <a:buFontTx/>
+              <a:buChar char="-"/>
+            </a:pPr>
+            <a:r>
+              <a:rPr lang="en" altLang="zh-CN" b="0" i="0" dirty="0">
+                <a:solidFill>
+                  <a:srgbClr val="383E40"/>
+                </a:solidFill>
+                <a:effectLst/>
+                <a:latin typeface="BentonSans"/>
+              </a:rPr>
+              <a:t>API logs</a:t>
+            </a:r>
+          </a:p>
+          <a:p>
+            <a:pPr marL="285750" indent="-285750">
+              <a:buFontTx/>
+              <a:buChar char="-"/>
+            </a:pPr>
+            <a:r>
+              <a:rPr lang="en" altLang="zh-CN" b="0" i="0" dirty="0">
+                <a:solidFill>
+                  <a:srgbClr val="383E40"/>
+                </a:solidFill>
+                <a:effectLst/>
+                <a:latin typeface="BentonSans"/>
+              </a:rPr>
+              <a:t>Add-on logs</a:t>
+            </a:r>
+            <a:endParaRPr lang="zh-CN" altLang="en-US" dirty="0"/>
+          </a:p>
+        </p:txBody>
+      </p:sp>
+      <p:sp>
+        <p:nvSpPr>
+          <p:cNvPr id="19" name="矩形 18">
+            <a:extLst>
+              <a:ext uri="{FF2B5EF4-FFF2-40B4-BE49-F238E27FC236}">
+                <a16:creationId xmlns:a16="http://schemas.microsoft.com/office/drawing/2014/main" id="{1EC64FE1-2D7B-674D-8143-1399BE2E150E}"/>
+              </a:ext>
+            </a:extLst>
+          </p:cNvPr>
+          <p:cNvSpPr/>
+          <p:nvPr/>
+        </p:nvSpPr>
+        <p:spPr>
+          <a:xfrm>
+            <a:off x="5032282" y="2174687"/>
+            <a:ext cx="5537179" cy="369332"/>
+          </a:xfrm>
+          <a:prstGeom prst="rect">
+            <a:avLst/>
+          </a:prstGeom>
+        </p:spPr>
+        <p:txBody>
+          <a:bodyPr wrap="square">
+            <a:spAutoFit/>
+          </a:bodyPr>
+          <a:lstStyle/>
+          <a:p>
+            <a:r>
+              <a:rPr lang="en-US" altLang="zh-Hans" dirty="0">
+                <a:solidFill>
+                  <a:srgbClr val="7030A0"/>
+                </a:solidFill>
+                <a:effectLst/>
+                <a:latin typeface="Calibri" panose="020F0502020204030204" pitchFamily="34" charset="0"/>
+                <a:cs typeface="Calibri" panose="020F0502020204030204" pitchFamily="34" charset="0"/>
+              </a:rPr>
+              <a:t>$</a:t>
+            </a:r>
+            <a:r>
+              <a:rPr lang="zh-Hans" altLang="en-US" dirty="0">
+                <a:solidFill>
+                  <a:schemeClr val="tx1">
+                    <a:lumMod val="50000"/>
+                    <a:lumOff val="50000"/>
+                  </a:schemeClr>
+                </a:solidFill>
+                <a:effectLst/>
+                <a:latin typeface="Calibri" panose="020F0502020204030204" pitchFamily="34" charset="0"/>
+                <a:cs typeface="Calibri" panose="020F0502020204030204" pitchFamily="34" charset="0"/>
+              </a:rPr>
+              <a:t> </a:t>
+            </a:r>
+            <a:r>
+              <a:rPr lang="en" altLang="zh-CN" dirty="0" err="1">
+                <a:solidFill>
+                  <a:schemeClr val="tx1">
+                    <a:lumMod val="65000"/>
+                    <a:lumOff val="35000"/>
+                  </a:schemeClr>
+                </a:solidFill>
+                <a:effectLst/>
+                <a:latin typeface="Calibri" panose="020F0502020204030204" pitchFamily="34" charset="0"/>
+                <a:cs typeface="Calibri" panose="020F0502020204030204" pitchFamily="34" charset="0"/>
+              </a:rPr>
+              <a:t>heroku</a:t>
+            </a:r>
+            <a:r>
+              <a:rPr lang="en" altLang="zh-CN" dirty="0">
+                <a:solidFill>
+                  <a:schemeClr val="tx1">
+                    <a:lumMod val="65000"/>
+                    <a:lumOff val="35000"/>
+                  </a:schemeClr>
+                </a:solidFill>
+                <a:effectLst/>
+                <a:latin typeface="Calibri" panose="020F0502020204030204" pitchFamily="34" charset="0"/>
+                <a:cs typeface="Calibri" panose="020F0502020204030204" pitchFamily="34" charset="0"/>
+              </a:rPr>
+              <a:t> logs –tail</a:t>
+            </a:r>
+            <a:r>
+              <a:rPr lang="zh-Hans" altLang="en-US" dirty="0">
+                <a:solidFill>
+                  <a:schemeClr val="tx1">
+                    <a:lumMod val="65000"/>
+                    <a:lumOff val="35000"/>
+                  </a:schemeClr>
+                </a:solidFill>
+                <a:effectLst/>
+                <a:latin typeface="Calibri" panose="020F0502020204030204" pitchFamily="34" charset="0"/>
+                <a:cs typeface="Calibri" panose="020F0502020204030204" pitchFamily="34" charset="0"/>
+              </a:rPr>
+              <a:t>     </a:t>
+            </a:r>
+            <a:endParaRPr lang="zh-CN" altLang="en-US" sz="1400" dirty="0">
+              <a:solidFill>
+                <a:schemeClr val="tx1">
+                  <a:lumMod val="65000"/>
+                  <a:lumOff val="35000"/>
+                </a:schemeClr>
+              </a:solidFill>
+              <a:latin typeface="Calibri" panose="020F0502020204030204" pitchFamily="34" charset="0"/>
+              <a:cs typeface="Calibri" panose="020F0502020204030204" pitchFamily="34" charset="0"/>
+            </a:endParaRPr>
+          </a:p>
+        </p:txBody>
+      </p:sp>
+      <p:sp>
+        <p:nvSpPr>
+          <p:cNvPr id="9" name="文本框 8">
+            <a:extLst>
+              <a:ext uri="{FF2B5EF4-FFF2-40B4-BE49-F238E27FC236}">
+                <a16:creationId xmlns:a16="http://schemas.microsoft.com/office/drawing/2014/main" id="{D73F3953-805E-3141-BBFC-21AD90C30022}"/>
+              </a:ext>
+            </a:extLst>
+          </p:cNvPr>
+          <p:cNvSpPr txBox="1"/>
+          <p:nvPr/>
+        </p:nvSpPr>
+        <p:spPr>
+          <a:xfrm>
+            <a:off x="5032282" y="1770108"/>
+            <a:ext cx="2379113" cy="369332"/>
+          </a:xfrm>
+          <a:prstGeom prst="rect">
+            <a:avLst/>
+          </a:prstGeom>
+          <a:noFill/>
+        </p:spPr>
+        <p:txBody>
+          <a:bodyPr wrap="none" rtlCol="0">
+            <a:spAutoFit/>
+          </a:bodyPr>
+          <a:lstStyle/>
+          <a:p>
+            <a:r>
+              <a:rPr kumimoji="1" lang="en-US" altLang="zh-CN" dirty="0">
+                <a:solidFill>
+                  <a:srgbClr val="7030A0"/>
+                </a:solidFill>
+                <a:latin typeface="Microsoft YaHei" panose="020B0503020204020204" pitchFamily="34" charset="-122"/>
+                <a:ea typeface="Microsoft YaHei" panose="020B0503020204020204" pitchFamily="34" charset="-122"/>
+              </a:rPr>
+              <a:t>V</a:t>
+            </a:r>
+            <a:r>
+              <a:rPr kumimoji="1" lang="en-US" altLang="zh-Hans" dirty="0">
+                <a:solidFill>
+                  <a:srgbClr val="7030A0"/>
+                </a:solidFill>
+                <a:latin typeface="Microsoft YaHei" panose="020B0503020204020204" pitchFamily="34" charset="-122"/>
+                <a:ea typeface="Microsoft YaHei" panose="020B0503020204020204" pitchFamily="34" charset="-122"/>
+              </a:rPr>
+              <a:t>iew</a:t>
+            </a:r>
+            <a:r>
+              <a:rPr kumimoji="1" lang="zh-Hans" altLang="en-US" dirty="0">
+                <a:solidFill>
+                  <a:srgbClr val="7030A0"/>
+                </a:solidFill>
+                <a:latin typeface="Microsoft YaHei" panose="020B0503020204020204" pitchFamily="34" charset="-122"/>
+                <a:ea typeface="Microsoft YaHei" panose="020B0503020204020204" pitchFamily="34" charset="-122"/>
+              </a:rPr>
+              <a:t> </a:t>
+            </a:r>
+            <a:r>
+              <a:rPr lang="en" altLang="zh-CN" dirty="0">
+                <a:solidFill>
+                  <a:srgbClr val="7030A0"/>
+                </a:solidFill>
+                <a:latin typeface="Microsoft YaHei" panose="020B0503020204020204" pitchFamily="34" charset="-122"/>
+                <a:ea typeface="Microsoft YaHei" panose="020B0503020204020204" pitchFamily="34" charset="-122"/>
+              </a:rPr>
+              <a:t>real-time logs</a:t>
+            </a:r>
+            <a:r>
+              <a:rPr lang="en" altLang="zh-CN" dirty="0"/>
+              <a:t> </a:t>
+            </a:r>
+            <a:endParaRPr kumimoji="1" lang="zh-CN" altLang="en-US" dirty="0"/>
+          </a:p>
+        </p:txBody>
+      </p:sp>
+      <p:sp>
+        <p:nvSpPr>
+          <p:cNvPr id="11" name="文本框 10">
+            <a:extLst>
+              <a:ext uri="{FF2B5EF4-FFF2-40B4-BE49-F238E27FC236}">
+                <a16:creationId xmlns:a16="http://schemas.microsoft.com/office/drawing/2014/main" id="{7BD50BFF-144E-DE4B-82F7-DFCC63CBC22B}"/>
+              </a:ext>
+            </a:extLst>
+          </p:cNvPr>
+          <p:cNvSpPr txBox="1"/>
+          <p:nvPr/>
+        </p:nvSpPr>
+        <p:spPr>
+          <a:xfrm>
+            <a:off x="5032282" y="2925308"/>
+            <a:ext cx="6146108" cy="923330"/>
+          </a:xfrm>
+          <a:prstGeom prst="rect">
+            <a:avLst/>
+          </a:prstGeom>
+          <a:noFill/>
+        </p:spPr>
+        <p:txBody>
+          <a:bodyPr wrap="square" rtlCol="0">
+            <a:spAutoFit/>
+          </a:bodyPr>
+          <a:lstStyle/>
+          <a:p>
+            <a:r>
+              <a:rPr kumimoji="1" lang="en-US" altLang="zh-CN" dirty="0">
+                <a:solidFill>
+                  <a:srgbClr val="7030A0"/>
+                </a:solidFill>
+                <a:latin typeface="Microsoft YaHei" panose="020B0503020204020204" pitchFamily="34" charset="-122"/>
+                <a:ea typeface="Microsoft YaHei" panose="020B0503020204020204" pitchFamily="34" charset="-122"/>
+              </a:rPr>
+              <a:t>F</a:t>
+            </a:r>
+            <a:r>
+              <a:rPr kumimoji="1" lang="en-US" altLang="zh-Hans" dirty="0">
+                <a:solidFill>
+                  <a:srgbClr val="7030A0"/>
+                </a:solidFill>
+                <a:latin typeface="Microsoft YaHei" panose="020B0503020204020204" pitchFamily="34" charset="-122"/>
+                <a:ea typeface="Microsoft YaHei" panose="020B0503020204020204" pitchFamily="34" charset="-122"/>
+              </a:rPr>
+              <a:t>iltering</a:t>
+            </a:r>
+          </a:p>
+          <a:p>
+            <a:pPr marL="285750" indent="-285750">
+              <a:buFontTx/>
+              <a:buChar char="-"/>
+            </a:pPr>
+            <a:r>
+              <a:rPr kumimoji="1" lang="en-US" altLang="zh-Hans" dirty="0">
+                <a:solidFill>
+                  <a:srgbClr val="7030A0"/>
+                </a:solidFill>
+                <a:latin typeface="Microsoft YaHei" panose="020B0503020204020204" pitchFamily="34" charset="-122"/>
+                <a:ea typeface="Microsoft YaHei" panose="020B0503020204020204" pitchFamily="34" charset="-122"/>
+              </a:rPr>
+              <a:t>By</a:t>
+            </a:r>
+            <a:r>
+              <a:rPr kumimoji="1" lang="zh-Hans" altLang="en-US" dirty="0">
+                <a:solidFill>
+                  <a:srgbClr val="7030A0"/>
+                </a:solidFill>
+                <a:latin typeface="Microsoft YaHei" panose="020B0503020204020204" pitchFamily="34" charset="-122"/>
+                <a:ea typeface="Microsoft YaHei" panose="020B0503020204020204" pitchFamily="34" charset="-122"/>
+              </a:rPr>
+              <a:t> </a:t>
+            </a:r>
+            <a:r>
+              <a:rPr kumimoji="1" lang="en-US" altLang="zh-Hans" dirty="0">
+                <a:solidFill>
+                  <a:srgbClr val="7030A0"/>
+                </a:solidFill>
+                <a:latin typeface="Microsoft YaHei" panose="020B0503020204020204" pitchFamily="34" charset="-122"/>
+                <a:ea typeface="Microsoft YaHei" panose="020B0503020204020204" pitchFamily="34" charset="-122"/>
+              </a:rPr>
+              <a:t>source</a:t>
+            </a:r>
+            <a:r>
+              <a:rPr kumimoji="1" lang="zh-Hans" altLang="en-US" dirty="0">
+                <a:solidFill>
+                  <a:srgbClr val="7030A0"/>
+                </a:solidFill>
+                <a:latin typeface="Microsoft YaHei" panose="020B0503020204020204" pitchFamily="34" charset="-122"/>
+                <a:ea typeface="Microsoft YaHei" panose="020B0503020204020204" pitchFamily="34" charset="-122"/>
+              </a:rPr>
+              <a:t>   </a:t>
+            </a:r>
+            <a:r>
+              <a:rPr kumimoji="1" lang="en-US" altLang="zh-Hans" dirty="0">
+                <a:solidFill>
+                  <a:srgbClr val="7030A0"/>
+                </a:solidFill>
+                <a:latin typeface="Microsoft YaHei" panose="020B0503020204020204" pitchFamily="34" charset="-122"/>
+                <a:ea typeface="Microsoft YaHei" panose="020B0503020204020204" pitchFamily="34" charset="-122"/>
+              </a:rPr>
+              <a:t>e.g.</a:t>
+            </a:r>
+            <a:r>
+              <a:rPr kumimoji="1" lang="zh-Hans" altLang="en-US" dirty="0">
+                <a:solidFill>
+                  <a:srgbClr val="7030A0"/>
+                </a:solidFill>
+                <a:latin typeface="Microsoft YaHei" panose="020B0503020204020204" pitchFamily="34" charset="-122"/>
+                <a:ea typeface="Microsoft YaHei" panose="020B0503020204020204" pitchFamily="34" charset="-122"/>
+              </a:rPr>
+              <a:t> </a:t>
+            </a:r>
+            <a:r>
+              <a:rPr kumimoji="1" lang="en-US" altLang="zh-Hans" dirty="0">
+                <a:solidFill>
+                  <a:srgbClr val="7030A0"/>
+                </a:solidFill>
+                <a:latin typeface="Calibri" panose="020F0502020204030204" pitchFamily="34" charset="0"/>
+                <a:ea typeface="Microsoft YaHei" panose="020B0503020204020204" pitchFamily="34" charset="-122"/>
+                <a:cs typeface="Calibri" panose="020F0502020204030204" pitchFamily="34" charset="0"/>
+              </a:rPr>
+              <a:t>$</a:t>
+            </a:r>
+            <a:r>
+              <a:rPr kumimoji="1" lang="zh-Hans" altLang="en-US" dirty="0">
+                <a:solidFill>
+                  <a:srgbClr val="7030A0"/>
+                </a:solidFill>
+                <a:latin typeface="Calibri" panose="020F0502020204030204" pitchFamily="34" charset="0"/>
+                <a:ea typeface="Microsoft YaHei" panose="020B0503020204020204" pitchFamily="34" charset="-122"/>
+                <a:cs typeface="Calibri" panose="020F0502020204030204" pitchFamily="34" charset="0"/>
+              </a:rPr>
+              <a:t> </a:t>
+            </a:r>
+            <a:r>
+              <a:rPr kumimoji="1" lang="en" altLang="zh-Hans" dirty="0" err="1">
+                <a:solidFill>
+                  <a:schemeClr val="tx1">
+                    <a:lumMod val="65000"/>
+                    <a:lumOff val="35000"/>
+                  </a:schemeClr>
+                </a:solidFill>
+                <a:latin typeface="Calibri" panose="020F0502020204030204" pitchFamily="34" charset="0"/>
+                <a:ea typeface="Microsoft YaHei" panose="020B0503020204020204" pitchFamily="34" charset="-122"/>
+                <a:cs typeface="Calibri" panose="020F0502020204030204" pitchFamily="34" charset="0"/>
+              </a:rPr>
+              <a:t>heroku</a:t>
+            </a:r>
+            <a:r>
+              <a:rPr kumimoji="1" lang="en" altLang="zh-Hans" dirty="0">
+                <a:solidFill>
+                  <a:schemeClr val="tx1">
+                    <a:lumMod val="65000"/>
+                    <a:lumOff val="35000"/>
+                  </a:schemeClr>
+                </a:solidFill>
+                <a:latin typeface="Calibri" panose="020F0502020204030204" pitchFamily="34" charset="0"/>
+                <a:ea typeface="Microsoft YaHei" panose="020B0503020204020204" pitchFamily="34" charset="-122"/>
+                <a:cs typeface="Calibri" panose="020F0502020204030204" pitchFamily="34" charset="0"/>
+              </a:rPr>
+              <a:t> logs --dyno router</a:t>
+            </a:r>
+            <a:endParaRPr kumimoji="1" lang="en-US" altLang="zh-Hans" dirty="0">
+              <a:solidFill>
+                <a:schemeClr val="tx1">
+                  <a:lumMod val="65000"/>
+                  <a:lumOff val="35000"/>
+                </a:schemeClr>
+              </a:solidFill>
+              <a:latin typeface="Calibri" panose="020F0502020204030204" pitchFamily="34" charset="0"/>
+              <a:ea typeface="Microsoft YaHei" panose="020B0503020204020204" pitchFamily="34" charset="-122"/>
+              <a:cs typeface="Calibri" panose="020F0502020204030204" pitchFamily="34" charset="0"/>
+            </a:endParaRPr>
+          </a:p>
+          <a:p>
+            <a:pPr marL="285750" indent="-285750">
+              <a:buFontTx/>
+              <a:buChar char="-"/>
+            </a:pPr>
+            <a:r>
+              <a:rPr kumimoji="1" lang="en-US" altLang="zh-Hans" dirty="0">
+                <a:solidFill>
+                  <a:srgbClr val="7030A0"/>
+                </a:solidFill>
+                <a:latin typeface="Microsoft YaHei" panose="020B0503020204020204" pitchFamily="34" charset="-122"/>
+                <a:ea typeface="Microsoft YaHei" panose="020B0503020204020204" pitchFamily="34" charset="-122"/>
+              </a:rPr>
+              <a:t>By</a:t>
+            </a:r>
+            <a:r>
+              <a:rPr kumimoji="1" lang="zh-Hans" altLang="en-US" dirty="0">
+                <a:solidFill>
+                  <a:srgbClr val="7030A0"/>
+                </a:solidFill>
+                <a:latin typeface="Microsoft YaHei" panose="020B0503020204020204" pitchFamily="34" charset="-122"/>
+                <a:ea typeface="Microsoft YaHei" panose="020B0503020204020204" pitchFamily="34" charset="-122"/>
+              </a:rPr>
+              <a:t> </a:t>
+            </a:r>
+            <a:r>
+              <a:rPr kumimoji="1" lang="en-US" altLang="zh-Hans" dirty="0">
+                <a:solidFill>
+                  <a:srgbClr val="7030A0"/>
+                </a:solidFill>
+                <a:latin typeface="Microsoft YaHei" panose="020B0503020204020204" pitchFamily="34" charset="-122"/>
+                <a:ea typeface="Microsoft YaHei" panose="020B0503020204020204" pitchFamily="34" charset="-122"/>
+              </a:rPr>
+              <a:t>dyno</a:t>
+            </a:r>
+            <a:r>
+              <a:rPr kumimoji="1" lang="zh-Hans" altLang="en-US" dirty="0">
+                <a:solidFill>
+                  <a:srgbClr val="7030A0"/>
+                </a:solidFill>
+                <a:latin typeface="Microsoft YaHei" panose="020B0503020204020204" pitchFamily="34" charset="-122"/>
+                <a:ea typeface="Microsoft YaHei" panose="020B0503020204020204" pitchFamily="34" charset="-122"/>
+              </a:rPr>
+              <a:t>     </a:t>
+            </a:r>
+            <a:r>
+              <a:rPr kumimoji="1" lang="en-US" altLang="zh-Hans" dirty="0">
+                <a:solidFill>
+                  <a:srgbClr val="7030A0"/>
+                </a:solidFill>
+                <a:latin typeface="Microsoft YaHei" panose="020B0503020204020204" pitchFamily="34" charset="-122"/>
+                <a:ea typeface="Microsoft YaHei" panose="020B0503020204020204" pitchFamily="34" charset="-122"/>
+              </a:rPr>
+              <a:t>e.g.</a:t>
+            </a:r>
+            <a:r>
+              <a:rPr kumimoji="1" lang="zh-Hans" altLang="en-US" dirty="0">
+                <a:solidFill>
+                  <a:srgbClr val="7030A0"/>
+                </a:solidFill>
+                <a:latin typeface="Microsoft YaHei" panose="020B0503020204020204" pitchFamily="34" charset="-122"/>
+                <a:ea typeface="Microsoft YaHei" panose="020B0503020204020204" pitchFamily="34" charset="-122"/>
+              </a:rPr>
+              <a:t> </a:t>
+            </a:r>
+            <a:r>
+              <a:rPr kumimoji="1" lang="en-US" altLang="zh-Hans" dirty="0">
+                <a:solidFill>
+                  <a:srgbClr val="7030A0"/>
+                </a:solidFill>
+                <a:latin typeface="Calibri" panose="020F0502020204030204" pitchFamily="34" charset="0"/>
+                <a:ea typeface="Microsoft YaHei" panose="020B0503020204020204" pitchFamily="34" charset="-122"/>
+                <a:cs typeface="Calibri" panose="020F0502020204030204" pitchFamily="34" charset="0"/>
+              </a:rPr>
+              <a:t>$</a:t>
+            </a:r>
+            <a:r>
+              <a:rPr kumimoji="1" lang="zh-Hans" altLang="en-US" dirty="0">
+                <a:solidFill>
+                  <a:srgbClr val="7030A0"/>
+                </a:solidFill>
+                <a:latin typeface="Calibri" panose="020F0502020204030204" pitchFamily="34" charset="0"/>
+                <a:ea typeface="Microsoft YaHei" panose="020B0503020204020204" pitchFamily="34" charset="-122"/>
+                <a:cs typeface="Calibri" panose="020F0502020204030204" pitchFamily="34" charset="0"/>
+              </a:rPr>
+              <a:t> </a:t>
+            </a:r>
+            <a:r>
+              <a:rPr kumimoji="1" lang="en" altLang="zh-Hans" dirty="0" err="1">
+                <a:solidFill>
+                  <a:schemeClr val="tx1">
+                    <a:lumMod val="65000"/>
+                    <a:lumOff val="35000"/>
+                  </a:schemeClr>
+                </a:solidFill>
+                <a:latin typeface="Calibri" panose="020F0502020204030204" pitchFamily="34" charset="0"/>
+                <a:ea typeface="Microsoft YaHei" panose="020B0503020204020204" pitchFamily="34" charset="-122"/>
+                <a:cs typeface="Calibri" panose="020F0502020204030204" pitchFamily="34" charset="0"/>
+              </a:rPr>
+              <a:t>heroku</a:t>
+            </a:r>
+            <a:r>
+              <a:rPr kumimoji="1" lang="en" altLang="zh-Hans" dirty="0">
+                <a:solidFill>
+                  <a:schemeClr val="tx1">
+                    <a:lumMod val="65000"/>
+                    <a:lumOff val="35000"/>
+                  </a:schemeClr>
+                </a:solidFill>
+                <a:latin typeface="Calibri" panose="020F0502020204030204" pitchFamily="34" charset="0"/>
+                <a:ea typeface="Microsoft YaHei" panose="020B0503020204020204" pitchFamily="34" charset="-122"/>
+                <a:cs typeface="Calibri" panose="020F0502020204030204" pitchFamily="34" charset="0"/>
+              </a:rPr>
+              <a:t> logs --source app</a:t>
+            </a:r>
+            <a:endParaRPr kumimoji="1" lang="en-US" altLang="zh-Hans" dirty="0">
+              <a:solidFill>
+                <a:schemeClr val="tx1">
+                  <a:lumMod val="65000"/>
+                  <a:lumOff val="35000"/>
+                </a:schemeClr>
+              </a:solidFill>
+              <a:latin typeface="Calibri" panose="020F0502020204030204" pitchFamily="34" charset="0"/>
+              <a:ea typeface="Microsoft YaHei" panose="020B0503020204020204" pitchFamily="34" charset="-122"/>
+              <a:cs typeface="Calibri" panose="020F0502020204030204" pitchFamily="34" charset="0"/>
+            </a:endParaRPr>
+          </a:p>
+        </p:txBody>
+      </p:sp>
+      <p:sp>
+        <p:nvSpPr>
+          <p:cNvPr id="14" name="矩形 13">
+            <a:extLst>
+              <a:ext uri="{FF2B5EF4-FFF2-40B4-BE49-F238E27FC236}">
+                <a16:creationId xmlns:a16="http://schemas.microsoft.com/office/drawing/2014/main" id="{282FCEE5-2A89-9E42-AC17-1B319BB6D397}"/>
+              </a:ext>
+            </a:extLst>
+          </p:cNvPr>
+          <p:cNvSpPr/>
+          <p:nvPr/>
+        </p:nvSpPr>
+        <p:spPr>
+          <a:xfrm>
+            <a:off x="846589" y="3228778"/>
+            <a:ext cx="3407215" cy="646331"/>
+          </a:xfrm>
+          <a:prstGeom prst="rect">
+            <a:avLst/>
+          </a:prstGeom>
+        </p:spPr>
+        <p:txBody>
+          <a:bodyPr wrap="none">
+            <a:spAutoFit/>
+          </a:bodyPr>
+          <a:lstStyle/>
+          <a:p>
+            <a:r>
+              <a:rPr lang="en" altLang="zh-CN" b="0" i="0" dirty="0">
+                <a:solidFill>
+                  <a:srgbClr val="7030A0"/>
+                </a:solidFill>
+                <a:effectLst/>
+                <a:latin typeface="Microsoft YaHei" panose="020B0503020204020204" pitchFamily="34" charset="-122"/>
+                <a:ea typeface="Microsoft YaHei" panose="020B0503020204020204" pitchFamily="34" charset="-122"/>
+              </a:rPr>
+              <a:t>log line format</a:t>
+            </a:r>
+            <a:r>
+              <a:rPr lang="en" altLang="zh-CN" b="0" i="0" dirty="0">
+                <a:solidFill>
+                  <a:srgbClr val="606060"/>
+                </a:solidFill>
+                <a:effectLst/>
+                <a:latin typeface="BentonSans"/>
+              </a:rPr>
+              <a:t> </a:t>
+            </a:r>
+          </a:p>
+          <a:p>
+            <a:r>
+              <a:rPr lang="en" altLang="zh-CN" dirty="0">
+                <a:solidFill>
+                  <a:schemeClr val="tx1">
+                    <a:lumMod val="65000"/>
+                    <a:lumOff val="35000"/>
+                  </a:schemeClr>
+                </a:solidFill>
+                <a:latin typeface="Calibri" panose="020F0502020204030204" pitchFamily="34" charset="0"/>
+                <a:cs typeface="Calibri" panose="020F0502020204030204" pitchFamily="34" charset="0"/>
+              </a:rPr>
+              <a:t>timestamp source[dyno]: message</a:t>
+            </a:r>
+            <a:endParaRPr lang="zh-CN" altLang="en-US" dirty="0">
+              <a:solidFill>
+                <a:schemeClr val="tx1">
+                  <a:lumMod val="65000"/>
+                  <a:lumOff val="35000"/>
+                </a:schemeClr>
+              </a:solidFill>
+              <a:latin typeface="Calibri" panose="020F0502020204030204" pitchFamily="34" charset="0"/>
+              <a:cs typeface="Calibri" panose="020F0502020204030204" pitchFamily="34" charset="0"/>
+            </a:endParaRPr>
+          </a:p>
+        </p:txBody>
+      </p:sp>
+    </p:spTree>
+    <p:extLst>
+      <p:ext uri="{BB962C8B-B14F-4D97-AF65-F5344CB8AC3E}">
+        <p14:creationId xmlns:p14="http://schemas.microsoft.com/office/powerpoint/2010/main" val="4022215609"/>
+      </p:ext>
+    </p:extLst>
+  </p:cSld>
+  <p:clrMapOvr>
+    <a:masterClrMapping/>
+  </p:clrMapOvr>
+  <p:timing>
+    <p:tnLst>
+      <p:par>
+        <p:cTn id="1" dur="indefinite" restart="never" nodeType="tmRoot">
+          <p:childTnLst>
+            <p:seq concurrent="1" nextAc="seek">
+              <p:cTn id="2" dur="indefinite" nodeType="mainSeq">
+                <p:childTnLst>
+                  <p:par>
+                    <p:cTn id="3" fill="hold">
+                      <p:stCondLst>
+                        <p:cond delay="indefinite"/>
+                      </p:stCondLst>
+                      <p:childTnLst>
+                        <p:par>
+                          <p:cTn id="4" fill="hold">
+                            <p:stCondLst>
+                              <p:cond delay="0"/>
+                            </p:stCondLst>
+                            <p:childTnLst>
+                              <p:par>
+                                <p:cTn id="5" presetID="42" presetClass="entr" presetSubtype="0" fill="hold" grpId="0" nodeType="clickEffect">
+                                  <p:stCondLst>
+                                    <p:cond delay="0"/>
+                                  </p:stCondLst>
+                                  <p:childTnLst>
+                                    <p:set>
+                                      <p:cBhvr>
+                                        <p:cTn id="6" dur="1" fill="hold">
+                                          <p:stCondLst>
+                                            <p:cond delay="0"/>
+                                          </p:stCondLst>
+                                        </p:cTn>
+                                        <p:tgtEl>
+                                          <p:spTgt spid="3"/>
+                                        </p:tgtEl>
+                                        <p:attrNameLst>
+                                          <p:attrName>style.visibility</p:attrName>
+                                        </p:attrNameLst>
+                                      </p:cBhvr>
+                                      <p:to>
+                                        <p:strVal val="visible"/>
+                                      </p:to>
+                                    </p:set>
+                                    <p:animEffect transition="in" filter="fade">
+                                      <p:cBhvr>
+                                        <p:cTn id="7" dur="1000"/>
+                                        <p:tgtEl>
+                                          <p:spTgt spid="3"/>
+                                        </p:tgtEl>
+                                      </p:cBhvr>
+                                    </p:animEffect>
+                                    <p:anim calcmode="lin" valueType="num">
+                                      <p:cBhvr>
+                                        <p:cTn id="8" dur="1000" fill="hold"/>
+                                        <p:tgtEl>
+                                          <p:spTgt spid="3"/>
+                                        </p:tgtEl>
+                                        <p:attrNameLst>
+                                          <p:attrName>ppt_x</p:attrName>
+                                        </p:attrNameLst>
+                                      </p:cBhvr>
+                                      <p:tavLst>
+                                        <p:tav tm="0">
+                                          <p:val>
+                                            <p:strVal val="#ppt_x"/>
+                                          </p:val>
+                                        </p:tav>
+                                        <p:tav tm="100000">
+                                          <p:val>
+                                            <p:strVal val="#ppt_x"/>
+                                          </p:val>
+                                        </p:tav>
+                                      </p:tavLst>
+                                    </p:anim>
+                                    <p:anim calcmode="lin" valueType="num">
+                                      <p:cBhvr>
+                                        <p:cTn id="9" dur="1000" fill="hold"/>
+                                        <p:tgtEl>
+                                          <p:spTgt spid="3"/>
+                                        </p:tgtEl>
+                                        <p:attrNameLst>
+                                          <p:attrName>ppt_y</p:attrName>
+                                        </p:attrNameLst>
+                                      </p:cBhvr>
+                                      <p:tavLst>
+                                        <p:tav tm="0">
+                                          <p:val>
+                                            <p:strVal val="#ppt_y+.1"/>
+                                          </p:val>
+                                        </p:tav>
+                                        <p:tav tm="100000">
+                                          <p:val>
+                                            <p:strVal val="#ppt_y"/>
+                                          </p:val>
+                                        </p:tav>
+                                      </p:tavLst>
+                                    </p:anim>
+                                  </p:childTnLst>
+                                </p:cTn>
+                              </p:par>
+                            </p:childTnLst>
+                          </p:cTn>
+                        </p:par>
+                      </p:childTnLst>
+                    </p:cTn>
+                  </p:par>
+                  <p:par>
+                    <p:cTn id="10" fill="hold">
+                      <p:stCondLst>
+                        <p:cond delay="indefinite"/>
+                      </p:stCondLst>
+                      <p:childTnLst>
+                        <p:par>
+                          <p:cTn id="11" fill="hold">
+                            <p:stCondLst>
+                              <p:cond delay="0"/>
+                            </p:stCondLst>
+                            <p:childTnLst>
+                              <p:par>
+                                <p:cTn id="12" presetID="42" presetClass="entr" presetSubtype="0" fill="hold" grpId="0" nodeType="clickEffect">
+                                  <p:stCondLst>
+                                    <p:cond delay="0"/>
+                                  </p:stCondLst>
+                                  <p:childTnLst>
+                                    <p:set>
+                                      <p:cBhvr>
+                                        <p:cTn id="13" dur="1" fill="hold">
+                                          <p:stCondLst>
+                                            <p:cond delay="0"/>
+                                          </p:stCondLst>
+                                        </p:cTn>
+                                        <p:tgtEl>
+                                          <p:spTgt spid="7"/>
+                                        </p:tgtEl>
+                                        <p:attrNameLst>
+                                          <p:attrName>style.visibility</p:attrName>
+                                        </p:attrNameLst>
+                                      </p:cBhvr>
+                                      <p:to>
+                                        <p:strVal val="visible"/>
+                                      </p:to>
+                                    </p:set>
+                                    <p:animEffect transition="in" filter="fade">
+                                      <p:cBhvr>
+                                        <p:cTn id="14" dur="1000"/>
+                                        <p:tgtEl>
+                                          <p:spTgt spid="7"/>
+                                        </p:tgtEl>
+                                      </p:cBhvr>
+                                    </p:animEffect>
+                                    <p:anim calcmode="lin" valueType="num">
+                                      <p:cBhvr>
+                                        <p:cTn id="15" dur="1000" fill="hold"/>
+                                        <p:tgtEl>
+                                          <p:spTgt spid="7"/>
+                                        </p:tgtEl>
+                                        <p:attrNameLst>
+                                          <p:attrName>ppt_x</p:attrName>
+                                        </p:attrNameLst>
+                                      </p:cBhvr>
+                                      <p:tavLst>
+                                        <p:tav tm="0">
+                                          <p:val>
+                                            <p:strVal val="#ppt_x"/>
+                                          </p:val>
+                                        </p:tav>
+                                        <p:tav tm="100000">
+                                          <p:val>
+                                            <p:strVal val="#ppt_x"/>
+                                          </p:val>
+                                        </p:tav>
+                                      </p:tavLst>
+                                    </p:anim>
+                                    <p:anim calcmode="lin" valueType="num">
+                                      <p:cBhvr>
+                                        <p:cTn id="16" dur="1000" fill="hold"/>
+                                        <p:tgtEl>
+                                          <p:spTgt spid="7"/>
+                                        </p:tgtEl>
+                                        <p:attrNameLst>
+                                          <p:attrName>ppt_y</p:attrName>
+                                        </p:attrNameLst>
+                                      </p:cBhvr>
+                                      <p:tavLst>
+                                        <p:tav tm="0">
+                                          <p:val>
+                                            <p:strVal val="#ppt_y+.1"/>
+                                          </p:val>
+                                        </p:tav>
+                                        <p:tav tm="100000">
+                                          <p:val>
+                                            <p:strVal val="#ppt_y"/>
+                                          </p:val>
+                                        </p:tav>
+                                      </p:tavLst>
+                                    </p:anim>
+                                  </p:childTnLst>
+                                </p:cTn>
+                              </p:par>
+                            </p:childTnLst>
+                          </p:cTn>
+                        </p:par>
+                      </p:childTnLst>
+                    </p:cTn>
+                  </p:par>
+                  <p:par>
+                    <p:cTn id="17" fill="hold">
+                      <p:stCondLst>
+                        <p:cond delay="indefinite"/>
+                      </p:stCondLst>
+                      <p:childTnLst>
+                        <p:par>
+                          <p:cTn id="18" fill="hold">
+                            <p:stCondLst>
+                              <p:cond delay="0"/>
+                            </p:stCondLst>
+                            <p:childTnLst>
+                              <p:par>
+                                <p:cTn id="19" presetID="42" presetClass="entr" presetSubtype="0" fill="hold" grpId="0" nodeType="clickEffect">
+                                  <p:stCondLst>
+                                    <p:cond delay="0"/>
+                                  </p:stCondLst>
+                                  <p:childTnLst>
+                                    <p:set>
+                                      <p:cBhvr>
+                                        <p:cTn id="20" dur="1" fill="hold">
+                                          <p:stCondLst>
+                                            <p:cond delay="0"/>
+                                          </p:stCondLst>
+                                        </p:cTn>
+                                        <p:tgtEl>
+                                          <p:spTgt spid="14"/>
+                                        </p:tgtEl>
+                                        <p:attrNameLst>
+                                          <p:attrName>style.visibility</p:attrName>
+                                        </p:attrNameLst>
+                                      </p:cBhvr>
+                                      <p:to>
+                                        <p:strVal val="visible"/>
+                                      </p:to>
+                                    </p:set>
+                                    <p:animEffect transition="in" filter="fade">
+                                      <p:cBhvr>
+                                        <p:cTn id="21" dur="1000"/>
+                                        <p:tgtEl>
+                                          <p:spTgt spid="14"/>
+                                        </p:tgtEl>
+                                      </p:cBhvr>
+                                    </p:animEffect>
+                                    <p:anim calcmode="lin" valueType="num">
+                                      <p:cBhvr>
+                                        <p:cTn id="22" dur="1000" fill="hold"/>
+                                        <p:tgtEl>
+                                          <p:spTgt spid="14"/>
+                                        </p:tgtEl>
+                                        <p:attrNameLst>
+                                          <p:attrName>ppt_x</p:attrName>
+                                        </p:attrNameLst>
+                                      </p:cBhvr>
+                                      <p:tavLst>
+                                        <p:tav tm="0">
+                                          <p:val>
+                                            <p:strVal val="#ppt_x"/>
+                                          </p:val>
+                                        </p:tav>
+                                        <p:tav tm="100000">
+                                          <p:val>
+                                            <p:strVal val="#ppt_x"/>
+                                          </p:val>
+                                        </p:tav>
+                                      </p:tavLst>
+                                    </p:anim>
+                                    <p:anim calcmode="lin" valueType="num">
+                                      <p:cBhvr>
+                                        <p:cTn id="23" dur="1000" fill="hold"/>
+                                        <p:tgtEl>
+                                          <p:spTgt spid="14"/>
+                                        </p:tgtEl>
+                                        <p:attrNameLst>
+                                          <p:attrName>ppt_y</p:attrName>
+                                        </p:attrNameLst>
+                                      </p:cBhvr>
+                                      <p:tavLst>
+                                        <p:tav tm="0">
+                                          <p:val>
+                                            <p:strVal val="#ppt_y+.1"/>
+                                          </p:val>
+                                        </p:tav>
+                                        <p:tav tm="100000">
+                                          <p:val>
+                                            <p:strVal val="#ppt_y"/>
+                                          </p:val>
+                                        </p:tav>
+                                      </p:tavLst>
+                                    </p:anim>
+                                  </p:childTnLst>
+                                </p:cTn>
+                              </p:par>
+                            </p:childTnLst>
+                          </p:cTn>
+                        </p:par>
+                      </p:childTnLst>
+                    </p:cTn>
+                  </p:par>
+                  <p:par>
+                    <p:cTn id="24" fill="hold">
+                      <p:stCondLst>
+                        <p:cond delay="indefinite"/>
+                      </p:stCondLst>
+                      <p:childTnLst>
+                        <p:par>
+                          <p:cTn id="25" fill="hold">
+                            <p:stCondLst>
+                              <p:cond delay="0"/>
+                            </p:stCondLst>
+                            <p:childTnLst>
+                              <p:par>
+                                <p:cTn id="26" presetID="42" presetClass="entr" presetSubtype="0" fill="hold" grpId="0" nodeType="clickEffect">
+                                  <p:stCondLst>
+                                    <p:cond delay="0"/>
+                                  </p:stCondLst>
+                                  <p:childTnLst>
+                                    <p:set>
+                                      <p:cBhvr>
+                                        <p:cTn id="27" dur="1" fill="hold">
+                                          <p:stCondLst>
+                                            <p:cond delay="0"/>
+                                          </p:stCondLst>
+                                        </p:cTn>
+                                        <p:tgtEl>
+                                          <p:spTgt spid="9"/>
+                                        </p:tgtEl>
+                                        <p:attrNameLst>
+                                          <p:attrName>style.visibility</p:attrName>
+                                        </p:attrNameLst>
+                                      </p:cBhvr>
+                                      <p:to>
+                                        <p:strVal val="visible"/>
+                                      </p:to>
+                                    </p:set>
+                                    <p:animEffect transition="in" filter="fade">
+                                      <p:cBhvr>
+                                        <p:cTn id="28" dur="1000"/>
+                                        <p:tgtEl>
+                                          <p:spTgt spid="9"/>
+                                        </p:tgtEl>
+                                      </p:cBhvr>
+                                    </p:animEffect>
+                                    <p:anim calcmode="lin" valueType="num">
+                                      <p:cBhvr>
+                                        <p:cTn id="29" dur="1000" fill="hold"/>
+                                        <p:tgtEl>
+                                          <p:spTgt spid="9"/>
+                                        </p:tgtEl>
+                                        <p:attrNameLst>
+                                          <p:attrName>ppt_x</p:attrName>
+                                        </p:attrNameLst>
+                                      </p:cBhvr>
+                                      <p:tavLst>
+                                        <p:tav tm="0">
+                                          <p:val>
+                                            <p:strVal val="#ppt_x"/>
+                                          </p:val>
+                                        </p:tav>
+                                        <p:tav tm="100000">
+                                          <p:val>
+                                            <p:strVal val="#ppt_x"/>
+                                          </p:val>
+                                        </p:tav>
+                                      </p:tavLst>
+                                    </p:anim>
+                                    <p:anim calcmode="lin" valueType="num">
+                                      <p:cBhvr>
+                                        <p:cTn id="30" dur="1000" fill="hold"/>
+                                        <p:tgtEl>
+                                          <p:spTgt spid="9"/>
+                                        </p:tgtEl>
+                                        <p:attrNameLst>
+                                          <p:attrName>ppt_y</p:attrName>
+                                        </p:attrNameLst>
+                                      </p:cBhvr>
+                                      <p:tavLst>
+                                        <p:tav tm="0">
+                                          <p:val>
+                                            <p:strVal val="#ppt_y+.1"/>
+                                          </p:val>
+                                        </p:tav>
+                                        <p:tav tm="100000">
+                                          <p:val>
+                                            <p:strVal val="#ppt_y"/>
+                                          </p:val>
+                                        </p:tav>
+                                      </p:tavLst>
+                                    </p:anim>
+                                  </p:childTnLst>
+                                </p:cTn>
+                              </p:par>
+                              <p:par>
+                                <p:cTn id="31" presetID="42" presetClass="entr" presetSubtype="0" fill="hold" grpId="0" nodeType="withEffect">
+                                  <p:stCondLst>
+                                    <p:cond delay="0"/>
+                                  </p:stCondLst>
+                                  <p:childTnLst>
+                                    <p:set>
+                                      <p:cBhvr>
+                                        <p:cTn id="32" dur="1" fill="hold">
+                                          <p:stCondLst>
+                                            <p:cond delay="0"/>
+                                          </p:stCondLst>
+                                        </p:cTn>
+                                        <p:tgtEl>
+                                          <p:spTgt spid="19"/>
+                                        </p:tgtEl>
+                                        <p:attrNameLst>
+                                          <p:attrName>style.visibility</p:attrName>
+                                        </p:attrNameLst>
+                                      </p:cBhvr>
+                                      <p:to>
+                                        <p:strVal val="visible"/>
+                                      </p:to>
+                                    </p:set>
+                                    <p:animEffect transition="in" filter="fade">
+                                      <p:cBhvr>
+                                        <p:cTn id="33" dur="1000"/>
+                                        <p:tgtEl>
+                                          <p:spTgt spid="19"/>
+                                        </p:tgtEl>
+                                      </p:cBhvr>
+                                    </p:animEffect>
+                                    <p:anim calcmode="lin" valueType="num">
+                                      <p:cBhvr>
+                                        <p:cTn id="34" dur="1000" fill="hold"/>
+                                        <p:tgtEl>
+                                          <p:spTgt spid="19"/>
+                                        </p:tgtEl>
+                                        <p:attrNameLst>
+                                          <p:attrName>ppt_x</p:attrName>
+                                        </p:attrNameLst>
+                                      </p:cBhvr>
+                                      <p:tavLst>
+                                        <p:tav tm="0">
+                                          <p:val>
+                                            <p:strVal val="#ppt_x"/>
+                                          </p:val>
+                                        </p:tav>
+                                        <p:tav tm="100000">
+                                          <p:val>
+                                            <p:strVal val="#ppt_x"/>
+                                          </p:val>
+                                        </p:tav>
+                                      </p:tavLst>
+                                    </p:anim>
+                                    <p:anim calcmode="lin" valueType="num">
+                                      <p:cBhvr>
+                                        <p:cTn id="35" dur="1000" fill="hold"/>
+                                        <p:tgtEl>
+                                          <p:spTgt spid="19"/>
+                                        </p:tgtEl>
+                                        <p:attrNameLst>
+                                          <p:attrName>ppt_y</p:attrName>
+                                        </p:attrNameLst>
+                                      </p:cBhvr>
+                                      <p:tavLst>
+                                        <p:tav tm="0">
+                                          <p:val>
+                                            <p:strVal val="#ppt_y+.1"/>
+                                          </p:val>
+                                        </p:tav>
+                                        <p:tav tm="100000">
+                                          <p:val>
+                                            <p:strVal val="#ppt_y"/>
+                                          </p:val>
+                                        </p:tav>
+                                      </p:tavLst>
+                                    </p:anim>
+                                  </p:childTnLst>
+                                </p:cTn>
+                              </p:par>
+                            </p:childTnLst>
+                          </p:cTn>
+                        </p:par>
+                      </p:childTnLst>
+                    </p:cTn>
+                  </p:par>
+                  <p:par>
+                    <p:cTn id="36" fill="hold">
+                      <p:stCondLst>
+                        <p:cond delay="indefinite"/>
+                      </p:stCondLst>
+                      <p:childTnLst>
+                        <p:par>
+                          <p:cTn id="37" fill="hold">
+                            <p:stCondLst>
+                              <p:cond delay="0"/>
+                            </p:stCondLst>
+                            <p:childTnLst>
+                              <p:par>
+                                <p:cTn id="38" presetID="42" presetClass="entr" presetSubtype="0" fill="hold" grpId="0" nodeType="clickEffect">
+                                  <p:stCondLst>
+                                    <p:cond delay="0"/>
+                                  </p:stCondLst>
+                                  <p:childTnLst>
+                                    <p:set>
+                                      <p:cBhvr>
+                                        <p:cTn id="39" dur="1" fill="hold">
+                                          <p:stCondLst>
+                                            <p:cond delay="0"/>
+                                          </p:stCondLst>
+                                        </p:cTn>
+                                        <p:tgtEl>
+                                          <p:spTgt spid="11"/>
+                                        </p:tgtEl>
+                                        <p:attrNameLst>
+                                          <p:attrName>style.visibility</p:attrName>
+                                        </p:attrNameLst>
+                                      </p:cBhvr>
+                                      <p:to>
+                                        <p:strVal val="visible"/>
+                                      </p:to>
+                                    </p:set>
+                                    <p:animEffect transition="in" filter="fade">
+                                      <p:cBhvr>
+                                        <p:cTn id="40" dur="1000"/>
+                                        <p:tgtEl>
+                                          <p:spTgt spid="11"/>
+                                        </p:tgtEl>
+                                      </p:cBhvr>
+                                    </p:animEffect>
+                                    <p:anim calcmode="lin" valueType="num">
+                                      <p:cBhvr>
+                                        <p:cTn id="41" dur="1000" fill="hold"/>
+                                        <p:tgtEl>
+                                          <p:spTgt spid="11"/>
+                                        </p:tgtEl>
+                                        <p:attrNameLst>
+                                          <p:attrName>ppt_x</p:attrName>
+                                        </p:attrNameLst>
+                                      </p:cBhvr>
+                                      <p:tavLst>
+                                        <p:tav tm="0">
+                                          <p:val>
+                                            <p:strVal val="#ppt_x"/>
+                                          </p:val>
+                                        </p:tav>
+                                        <p:tav tm="100000">
+                                          <p:val>
+                                            <p:strVal val="#ppt_x"/>
+                                          </p:val>
+                                        </p:tav>
+                                      </p:tavLst>
+                                    </p:anim>
+                                    <p:anim calcmode="lin" valueType="num">
+                                      <p:cBhvr>
+                                        <p:cTn id="42" dur="1000" fill="hold"/>
+                                        <p:tgtEl>
+                                          <p:spTgt spid="11"/>
+                                        </p:tgtEl>
+                                        <p:attrNameLst>
+                                          <p:attrName>ppt_y</p:attrName>
+                                        </p:attrNameLst>
+                                      </p:cBhvr>
+                                      <p:tavLst>
+                                        <p:tav tm="0">
+                                          <p:val>
+                                            <p:strVal val="#ppt_y+.1"/>
+                                          </p:val>
+                                        </p:tav>
+                                        <p:tav tm="100000">
+                                          <p:val>
+                                            <p:strVal val="#ppt_y"/>
+                                          </p:val>
+                                        </p:tav>
+                                      </p:tavLst>
+                                    </p:anim>
+                                  </p:childTnLst>
+                                </p:cTn>
+                              </p:par>
+                            </p:childTnLst>
+                          </p:cTn>
+                        </p:par>
+                      </p:childTnLst>
+                    </p:cTn>
+                  </p:par>
+                  <p:par>
+                    <p:cTn id="43" fill="hold">
+                      <p:stCondLst>
+                        <p:cond delay="indefinite"/>
+                      </p:stCondLst>
+                      <p:childTnLst>
+                        <p:par>
+                          <p:cTn id="44" fill="hold">
+                            <p:stCondLst>
+                              <p:cond delay="0"/>
+                            </p:stCondLst>
+                            <p:childTnLst>
+                              <p:par>
+                                <p:cTn id="45" presetID="42" presetClass="entr" presetSubtype="0" fill="hold" grpId="0" nodeType="clickEffect">
+                                  <p:stCondLst>
+                                    <p:cond delay="0"/>
+                                  </p:stCondLst>
+                                  <p:childTnLst>
+                                    <p:set>
+                                      <p:cBhvr>
+                                        <p:cTn id="46" dur="1" fill="hold">
+                                          <p:stCondLst>
+                                            <p:cond delay="0"/>
+                                          </p:stCondLst>
+                                        </p:cTn>
+                                        <p:tgtEl>
+                                          <p:spTgt spid="18"/>
+                                        </p:tgtEl>
+                                        <p:attrNameLst>
+                                          <p:attrName>style.visibility</p:attrName>
+                                        </p:attrNameLst>
+                                      </p:cBhvr>
+                                      <p:to>
+                                        <p:strVal val="visible"/>
+                                      </p:to>
+                                    </p:set>
+                                    <p:animEffect transition="in" filter="fade">
+                                      <p:cBhvr>
+                                        <p:cTn id="47" dur="1000"/>
+                                        <p:tgtEl>
+                                          <p:spTgt spid="18"/>
+                                        </p:tgtEl>
+                                      </p:cBhvr>
+                                    </p:animEffect>
+                                    <p:anim calcmode="lin" valueType="num">
+                                      <p:cBhvr>
+                                        <p:cTn id="48" dur="1000" fill="hold"/>
+                                        <p:tgtEl>
+                                          <p:spTgt spid="18"/>
+                                        </p:tgtEl>
+                                        <p:attrNameLst>
+                                          <p:attrName>ppt_x</p:attrName>
+                                        </p:attrNameLst>
+                                      </p:cBhvr>
+                                      <p:tavLst>
+                                        <p:tav tm="0">
+                                          <p:val>
+                                            <p:strVal val="#ppt_x"/>
+                                          </p:val>
+                                        </p:tav>
+                                        <p:tav tm="100000">
+                                          <p:val>
+                                            <p:strVal val="#ppt_x"/>
+                                          </p:val>
+                                        </p:tav>
+                                      </p:tavLst>
+                                    </p:anim>
+                                    <p:anim calcmode="lin" valueType="num">
+                                      <p:cBhvr>
+                                        <p:cTn id="49" dur="1000" fill="hold"/>
+                                        <p:tgtEl>
+                                          <p:spTgt spid="18"/>
+                                        </p:tgtEl>
+                                        <p:attrNameLst>
+                                          <p:attrName>ppt_y</p:attrName>
+                                        </p:attrNameLst>
+                                      </p:cBhvr>
+                                      <p:tavLst>
+                                        <p:tav tm="0">
+                                          <p:val>
+                                            <p:strVal val="#ppt_y+.1"/>
+                                          </p:val>
+                                        </p:tav>
+                                        <p:tav tm="100000">
+                                          <p:val>
+                                            <p:strVal val="#ppt_y"/>
+                                          </p:val>
+                                        </p:tav>
+                                      </p:tavLst>
+                                    </p:anim>
+                                  </p:childTnLst>
+                                </p:cTn>
+                              </p:par>
+                            </p:childTnLst>
+                          </p:cTn>
+                        </p:par>
+                      </p:childTnLst>
+                    </p:cTn>
+                  </p:par>
+                  <p:par>
+                    <p:cTn id="50" fill="hold">
+                      <p:stCondLst>
+                        <p:cond delay="indefinite"/>
+                      </p:stCondLst>
+                      <p:childTnLst>
+                        <p:par>
+                          <p:cTn id="51" fill="hold">
+                            <p:stCondLst>
+                              <p:cond delay="0"/>
+                            </p:stCondLst>
+                            <p:childTnLst>
+                              <p:par>
+                                <p:cTn id="52" presetID="42" presetClass="entr" presetSubtype="0" fill="hold" grpId="0" nodeType="clickEffect">
+                                  <p:stCondLst>
+                                    <p:cond delay="0"/>
+                                  </p:stCondLst>
+                                  <p:childTnLst>
+                                    <p:set>
+                                      <p:cBhvr>
+                                        <p:cTn id="53" dur="1" fill="hold">
+                                          <p:stCondLst>
+                                            <p:cond delay="0"/>
+                                          </p:stCondLst>
+                                        </p:cTn>
+                                        <p:tgtEl>
+                                          <p:spTgt spid="2"/>
+                                        </p:tgtEl>
+                                        <p:attrNameLst>
+                                          <p:attrName>style.visibility</p:attrName>
+                                        </p:attrNameLst>
+                                      </p:cBhvr>
+                                      <p:to>
+                                        <p:strVal val="visible"/>
+                                      </p:to>
+                                    </p:set>
+                                    <p:animEffect transition="in" filter="fade">
+                                      <p:cBhvr>
+                                        <p:cTn id="54" dur="1000"/>
+                                        <p:tgtEl>
+                                          <p:spTgt spid="2"/>
+                                        </p:tgtEl>
+                                      </p:cBhvr>
+                                    </p:animEffect>
+                                    <p:anim calcmode="lin" valueType="num">
+                                      <p:cBhvr>
+                                        <p:cTn id="55" dur="1000" fill="hold"/>
+                                        <p:tgtEl>
+                                          <p:spTgt spid="2"/>
+                                        </p:tgtEl>
+                                        <p:attrNameLst>
+                                          <p:attrName>ppt_x</p:attrName>
+                                        </p:attrNameLst>
+                                      </p:cBhvr>
+                                      <p:tavLst>
+                                        <p:tav tm="0">
+                                          <p:val>
+                                            <p:strVal val="#ppt_x"/>
+                                          </p:val>
+                                        </p:tav>
+                                        <p:tav tm="100000">
+                                          <p:val>
+                                            <p:strVal val="#ppt_x"/>
+                                          </p:val>
+                                        </p:tav>
+                                      </p:tavLst>
+                                    </p:anim>
+                                    <p:anim calcmode="lin" valueType="num">
+                                      <p:cBhvr>
+                                        <p:cTn id="56" dur="1000" fill="hold"/>
+                                        <p:tgtEl>
+                                          <p:spTgt spid="2"/>
+                                        </p:tgtEl>
+                                        <p:attrNameLst>
+                                          <p:attrName>ppt_y</p:attrName>
+                                        </p:attrNameLst>
+                                      </p:cBhvr>
+                                      <p:tavLst>
+                                        <p:tav tm="0">
+                                          <p:val>
+                                            <p:strVal val="#ppt_y+.1"/>
+                                          </p:val>
+                                        </p:tav>
+                                        <p:tav tm="100000">
+                                          <p:val>
+                                            <p:strVal val="#ppt_y"/>
+                                          </p:val>
+                                        </p:tav>
+                                      </p:tavLst>
+                                    </p:anim>
+                                  </p:childTnLst>
+                                </p:cTn>
+                              </p:par>
+                            </p:childTnLst>
+                          </p:cTn>
+                        </p:par>
+                      </p:childTnLst>
+                    </p:cTn>
+                  </p:par>
+                </p:childTnLst>
+              </p:cTn>
+              <p:prevCondLst>
+                <p:cond evt="onPrev" delay="0">
+                  <p:tgtEl>
+                    <p:sldTgt/>
+                  </p:tgtEl>
+                </p:cond>
+              </p:prevCondLst>
+              <p:nextCondLst>
+                <p:cond evt="onNext" delay="0">
+                  <p:tgtEl>
+                    <p:sldTgt/>
+                  </p:tgtEl>
+                </p:cond>
+              </p:nextCondLst>
+            </p:seq>
+          </p:childTnLst>
+        </p:cTn>
+      </p:par>
+    </p:tnLst>
+    <p:bldLst>
+      <p:bldP spid="18" grpId="0"/>
+      <p:bldP spid="2" grpId="0"/>
+      <p:bldP spid="3" grpId="0"/>
+      <p:bldP spid="7" grpId="0"/>
+      <p:bldP spid="19" grpId="0"/>
+      <p:bldP spid="9" grpId="0"/>
+      <p:bldP spid="11" grpId="0"/>
+      <p:bldP spid="14" grpId="0"/>
+    </p:bldLst>
+  </p:timing>
+</p:sld>
+</file>
+
+<file path=ppt/slides/slide16.xml><?xml version="1.0" encoding="utf-8"?>
+<p:sld xmlns:a="http://schemas.openxmlformats.org/drawingml/2006/main" xmlns:r="http://schemas.openxmlformats.org/officeDocument/2006/relationships" xmlns:p="http://schemas.openxmlformats.org/presentationml/2006/main">
+  <p:cSld>
+    <p:spTree>
+      <p:nvGrpSpPr>
+        <p:cNvPr id="1" name=""/>
+        <p:cNvGrpSpPr/>
+        <p:nvPr/>
+      </p:nvGrpSpPr>
+      <p:grpSpPr>
+        <a:xfrm>
+          <a:off x="0" y="0"/>
+          <a:ext cx="0" cy="0"/>
+          <a:chOff x="0" y="0"/>
+          <a:chExt cx="0" cy="0"/>
+        </a:xfrm>
+      </p:grpSpPr>
+      <p:sp>
+        <p:nvSpPr>
+          <p:cNvPr id="27650" name="文本框 55">
+            <a:extLst>
+              <a:ext uri="{FF2B5EF4-FFF2-40B4-BE49-F238E27FC236}">
+                <a16:creationId xmlns:a16="http://schemas.microsoft.com/office/drawing/2014/main" id="{C94F7CE3-251B-4E4F-AB6C-2D4A451A2B10}"/>
+              </a:ext>
+            </a:extLst>
+          </p:cNvPr>
+          <p:cNvSpPr>
+            <a:spLocks noChangeArrowheads="1"/>
+          </p:cNvSpPr>
+          <p:nvPr/>
+        </p:nvSpPr>
+        <p:spPr bwMode="auto">
+          <a:xfrm>
+            <a:off x="1857375" y="4068763"/>
+            <a:ext cx="8775700" cy="1016000"/>
+          </a:xfrm>
+          <a:prstGeom prst="rect">
+            <a:avLst/>
+          </a:prstGeom>
+          <a:noFill/>
+          <a:ln>
+            <a:noFill/>
+          </a:ln>
+          <a:extLst>
+            <a:ext uri="{909E8E84-426E-40DD-AFC4-6F175D3DCCD1}">
+              <a14:hiddenFill xmlns:a14="http://schemas.microsoft.com/office/drawing/2010/main">
+                <a:solidFill>
+                  <a:srgbClr val="FFFFFF"/>
+                </a:solidFill>
+              </a14:hiddenFill>
+            </a:ext>
+            <a:ext uri="{91240B29-F687-4F45-9708-019B960494DF}">
+              <a14:hiddenLine xmlns:a14="http://schemas.microsoft.com/office/drawing/2010/main" w="9525">
+                <a:solidFill>
+                  <a:srgbClr val="000000"/>
+                </a:solidFill>
+                <a:miter lim="800000"/>
+                <a:headEnd/>
+                <a:tailEnd/>
+              </a14:hiddenLine>
+            </a:ext>
+          </a:extLst>
+        </p:spPr>
+        <p:txBody>
+          <a:bodyPr>
+            <a:spAutoFit/>
+          </a:bodyPr>
+          <a:lstStyle/>
+          <a:p>
+            <a:pPr algn="ctr"/>
+            <a:r>
+              <a:rPr lang="en-US" altLang="zh-CN" sz="6000" b="1">
+                <a:solidFill>
+                  <a:srgbClr val="262626"/>
+                </a:solidFill>
+                <a:latin typeface="微软雅黑" panose="020B0503020204020204" pitchFamily="34" charset="-122"/>
+                <a:ea typeface="微软雅黑" panose="020B0503020204020204" pitchFamily="34" charset="-122"/>
+                <a:sym typeface="微软雅黑" panose="020B0503020204020204" pitchFamily="34" charset="-122"/>
+              </a:rPr>
+              <a:t>Thank you</a:t>
+            </a:r>
+            <a:endParaRPr lang="zh-CN" altLang="en-US" sz="6000" b="1">
+              <a:solidFill>
+                <a:srgbClr val="262626"/>
+              </a:solidFill>
+              <a:latin typeface="微软雅黑" panose="020B0503020204020204" pitchFamily="34" charset="-122"/>
+              <a:ea typeface="微软雅黑" panose="020B0503020204020204" pitchFamily="34" charset="-122"/>
+              <a:sym typeface="微软雅黑" panose="020B0503020204020204" pitchFamily="34" charset="-122"/>
+            </a:endParaRPr>
+          </a:p>
+        </p:txBody>
+      </p:sp>
+      <p:sp>
+        <p:nvSpPr>
+          <p:cNvPr id="27652" name="同心圆 61">
+            <a:extLst>
+              <a:ext uri="{FF2B5EF4-FFF2-40B4-BE49-F238E27FC236}">
+                <a16:creationId xmlns:a16="http://schemas.microsoft.com/office/drawing/2014/main" id="{2AF49E05-4849-754C-A301-0A4DD4826DCF}"/>
+              </a:ext>
+            </a:extLst>
+          </p:cNvPr>
+          <p:cNvSpPr>
+            <a:spLocks noChangeArrowheads="1"/>
+          </p:cNvSpPr>
+          <p:nvPr/>
+        </p:nvSpPr>
+        <p:spPr bwMode="auto">
+          <a:xfrm>
+            <a:off x="3559175" y="1528763"/>
+            <a:ext cx="2560638" cy="2182812"/>
+          </a:xfrm>
+          <a:custGeom>
+            <a:avLst/>
+            <a:gdLst>
+              <a:gd name="G0" fmla="+- 3413 0 0"/>
+              <a:gd name="G1" fmla="+- 21600 0 3413"/>
+              <a:gd name="G2" fmla="+- 21600 0 3413"/>
+              <a:gd name="G3" fmla="*/ G0 2929 10000"/>
+              <a:gd name="G4" fmla="+- 21600 0 G3"/>
+              <a:gd name="G5" fmla="+- 21600 0 G3"/>
+              <a:gd name="T0" fmla="*/ 10800 w 21600"/>
+              <a:gd name="T1" fmla="*/ 0 h 21600"/>
+              <a:gd name="T2" fmla="*/ 3163 w 21600"/>
+              <a:gd name="T3" fmla="*/ 3163 h 21600"/>
+              <a:gd name="T4" fmla="*/ 0 w 21600"/>
+              <a:gd name="T5" fmla="*/ 10800 h 21600"/>
+              <a:gd name="T6" fmla="*/ 3163 w 21600"/>
+              <a:gd name="T7" fmla="*/ 18437 h 21600"/>
+              <a:gd name="T8" fmla="*/ 10800 w 21600"/>
+              <a:gd name="T9" fmla="*/ 21600 h 21600"/>
+              <a:gd name="T10" fmla="*/ 18437 w 21600"/>
+              <a:gd name="T11" fmla="*/ 18437 h 21600"/>
+              <a:gd name="T12" fmla="*/ 21600 w 21600"/>
+              <a:gd name="T13" fmla="*/ 10800 h 21600"/>
+              <a:gd name="T14" fmla="*/ 18437 w 21600"/>
+              <a:gd name="T15" fmla="*/ 3163 h 21600"/>
+              <a:gd name="T16" fmla="*/ 3163 w 21600"/>
+              <a:gd name="T17" fmla="*/ 3163 h 21600"/>
+              <a:gd name="T18" fmla="*/ 18437 w 21600"/>
+              <a:gd name="T19" fmla="*/ 18437 h 21600"/>
+            </a:gdLst>
+            <a:ahLst/>
+            <a:cxnLst>
+              <a:cxn ang="0">
+                <a:pos x="T0" y="T1"/>
+              </a:cxn>
+              <a:cxn ang="0">
+                <a:pos x="T2" y="T3"/>
+              </a:cxn>
+              <a:cxn ang="0">
+                <a:pos x="T4" y="T5"/>
+              </a:cxn>
+              <a:cxn ang="0">
+                <a:pos x="T6" y="T7"/>
+              </a:cxn>
+              <a:cxn ang="0">
+                <a:pos x="T8" y="T9"/>
+              </a:cxn>
+              <a:cxn ang="0">
+                <a:pos x="T10" y="T11"/>
+              </a:cxn>
+              <a:cxn ang="0">
+                <a:pos x="T12" y="T13"/>
+              </a:cxn>
+              <a:cxn ang="0">
+                <a:pos x="T14" y="T15"/>
+              </a:cxn>
+            </a:cxnLst>
+            <a:rect l="T16" t="T17" r="T18" b="T19"/>
+            <a:pathLst>
+              <a:path w="21600" h="21600">
+                <a:moveTo>
+                  <a:pt x="0" y="10800"/>
+                </a:moveTo>
+                <a:cubicBezTo>
+                  <a:pt x="0" y="4835"/>
+                  <a:pt x="4835" y="0"/>
+                  <a:pt x="10800" y="0"/>
+                </a:cubicBezTo>
+                <a:cubicBezTo>
+                  <a:pt x="16765" y="0"/>
+                  <a:pt x="21600" y="4835"/>
+                  <a:pt x="21600" y="10800"/>
+                </a:cubicBezTo>
+                <a:cubicBezTo>
+                  <a:pt x="21600" y="16765"/>
+                  <a:pt x="16765" y="21600"/>
+                  <a:pt x="10800" y="21600"/>
+                </a:cubicBezTo>
+                <a:cubicBezTo>
+                  <a:pt x="4835" y="21600"/>
+                  <a:pt x="0" y="16765"/>
+                  <a:pt x="0" y="10800"/>
+                </a:cubicBezTo>
+                <a:close/>
+                <a:moveTo>
+                  <a:pt x="3413" y="10800"/>
+                </a:moveTo>
+                <a:cubicBezTo>
+                  <a:pt x="3413" y="14880"/>
+                  <a:pt x="6720" y="18187"/>
+                  <a:pt x="10800" y="18187"/>
+                </a:cubicBezTo>
+                <a:cubicBezTo>
+                  <a:pt x="14880" y="18187"/>
+                  <a:pt x="18187" y="14880"/>
+                  <a:pt x="18187" y="10800"/>
+                </a:cubicBezTo>
+                <a:cubicBezTo>
+                  <a:pt x="18187" y="6720"/>
+                  <a:pt x="14880" y="3413"/>
+                  <a:pt x="10800" y="3413"/>
+                </a:cubicBezTo>
+                <a:cubicBezTo>
+                  <a:pt x="6720" y="3413"/>
+                  <a:pt x="3413" y="6720"/>
+                  <a:pt x="3413" y="10800"/>
+                </a:cubicBezTo>
+                <a:close/>
+              </a:path>
+            </a:pathLst>
+          </a:custGeom>
+          <a:gradFill rotWithShape="1">
+            <a:gsLst>
+              <a:gs pos="0">
+                <a:srgbClr val="7F7F7F"/>
+              </a:gs>
+              <a:gs pos="50000">
+                <a:srgbClr val="D8D8D8"/>
+              </a:gs>
+              <a:gs pos="100000">
+                <a:srgbClr val="BFBFBF"/>
+              </a:gs>
+            </a:gsLst>
+            <a:path path="rect">
+              <a:fillToRect l="100000" t="100000"/>
+            </a:path>
+          </a:gradFill>
+          <a:ln>
+            <a:noFill/>
+          </a:ln>
+          <a:extLst>
+            <a:ext uri="{91240B29-F687-4F45-9708-019B960494DF}">
+              <a14:hiddenLine xmlns:a14="http://schemas.microsoft.com/office/drawing/2010/main" w="12700" cap="flat" cmpd="sng">
+                <a:solidFill>
+                  <a:srgbClr val="42719B"/>
+                </a:solidFill>
+                <a:bevel/>
+                <a:headEnd/>
+                <a:tailEnd/>
+              </a14:hiddenLine>
+            </a:ext>
+          </a:extLst>
+        </p:spPr>
+        <p:txBody>
+          <a:bodyPr anchor="ctr"/>
+          <a:lstStyle/>
+          <a:p>
+            <a:pPr algn="ctr"/>
+            <a:endParaRPr lang="zh-CN" altLang="zh-CN">
+              <a:latin typeface="宋体" panose="02010600030101010101" pitchFamily="2" charset="-122"/>
+              <a:sym typeface="宋体" panose="02010600030101010101" pitchFamily="2" charset="-122"/>
+            </a:endParaRPr>
+          </a:p>
+        </p:txBody>
+      </p:sp>
+      <p:sp>
+        <p:nvSpPr>
+          <p:cNvPr id="27653" name="椭圆 62">
+            <a:extLst>
+              <a:ext uri="{FF2B5EF4-FFF2-40B4-BE49-F238E27FC236}">
+                <a16:creationId xmlns:a16="http://schemas.microsoft.com/office/drawing/2014/main" id="{14439069-32AB-FF46-A62C-71DD055DB583}"/>
+              </a:ext>
+            </a:extLst>
+          </p:cNvPr>
+          <p:cNvSpPr>
+            <a:spLocks noChangeArrowheads="1"/>
+          </p:cNvSpPr>
+          <p:nvPr/>
+        </p:nvSpPr>
+        <p:spPr bwMode="auto">
+          <a:xfrm>
+            <a:off x="3892550" y="2046288"/>
+            <a:ext cx="1871663" cy="1149350"/>
+          </a:xfrm>
+          <a:prstGeom prst="ellipse">
+            <a:avLst/>
+          </a:prstGeom>
+          <a:solidFill>
+            <a:schemeClr val="bg1"/>
+          </a:solidFill>
+          <a:ln w="12700" cap="flat" cmpd="sng">
+            <a:solidFill>
+              <a:srgbClr val="BFBFBF"/>
+            </a:solidFill>
+            <a:bevel/>
+            <a:headEnd/>
+            <a:tailEnd/>
+          </a:ln>
+        </p:spPr>
+        <p:txBody>
+          <a:bodyPr anchor="ctr"/>
+          <a:lstStyle/>
+          <a:p>
+            <a:pPr algn="ctr"/>
+            <a:endParaRPr lang="zh-CN" altLang="zh-CN">
+              <a:solidFill>
+                <a:srgbClr val="FFFFFF"/>
+              </a:solidFill>
+              <a:latin typeface="宋体" panose="02010600030101010101" pitchFamily="2" charset="-122"/>
+              <a:sym typeface="宋体" panose="02010600030101010101" pitchFamily="2" charset="-122"/>
+            </a:endParaRPr>
+          </a:p>
+        </p:txBody>
+      </p:sp>
+      <p:sp>
+        <p:nvSpPr>
+          <p:cNvPr id="27654" name="椭圆 63">
+            <a:extLst>
+              <a:ext uri="{FF2B5EF4-FFF2-40B4-BE49-F238E27FC236}">
+                <a16:creationId xmlns:a16="http://schemas.microsoft.com/office/drawing/2014/main" id="{63FA2105-7AEB-AF44-B436-F02F27288687}"/>
+              </a:ext>
+            </a:extLst>
+          </p:cNvPr>
+          <p:cNvSpPr>
+            <a:spLocks noChangeArrowheads="1"/>
+          </p:cNvSpPr>
+          <p:nvPr/>
+        </p:nvSpPr>
+        <p:spPr bwMode="auto">
+          <a:xfrm>
+            <a:off x="4438650" y="2230438"/>
+            <a:ext cx="781050" cy="781050"/>
+          </a:xfrm>
+          <a:prstGeom prst="ellipse">
+            <a:avLst/>
+          </a:prstGeom>
+          <a:gradFill rotWithShape="1">
+            <a:gsLst>
+              <a:gs pos="0">
+                <a:srgbClr val="385623"/>
+              </a:gs>
+              <a:gs pos="50000">
+                <a:srgbClr val="385623"/>
+              </a:gs>
+              <a:gs pos="100000">
+                <a:srgbClr val="9E392E"/>
+              </a:gs>
+            </a:gsLst>
+            <a:path path="rect">
+              <a:fillToRect l="100000" t="100000"/>
+            </a:path>
+          </a:gradFill>
+          <a:ln>
+            <a:noFill/>
+          </a:ln>
+          <a:extLst>
+            <a:ext uri="{91240B29-F687-4F45-9708-019B960494DF}">
+              <a14:hiddenLine xmlns:a14="http://schemas.microsoft.com/office/drawing/2010/main" w="12700" cap="flat" cmpd="sng">
+                <a:solidFill>
+                  <a:srgbClr val="42719B"/>
+                </a:solidFill>
+                <a:bevel/>
+                <a:headEnd/>
+                <a:tailEnd/>
+              </a14:hiddenLine>
+            </a:ext>
+          </a:extLst>
+        </p:spPr>
+        <p:txBody>
+          <a:bodyPr anchor="ctr"/>
+          <a:lstStyle/>
+          <a:p>
+            <a:pPr algn="ctr"/>
+            <a:endParaRPr lang="zh-CN" altLang="zh-CN">
+              <a:solidFill>
+                <a:srgbClr val="FFFFFF"/>
+              </a:solidFill>
+              <a:latin typeface="宋体" panose="02010600030101010101" pitchFamily="2" charset="-122"/>
+              <a:sym typeface="宋体" panose="02010600030101010101" pitchFamily="2" charset="-122"/>
+            </a:endParaRPr>
+          </a:p>
+        </p:txBody>
+      </p:sp>
+      <p:sp>
+        <p:nvSpPr>
+          <p:cNvPr id="27655" name="椭圆 64">
+            <a:extLst>
+              <a:ext uri="{FF2B5EF4-FFF2-40B4-BE49-F238E27FC236}">
+                <a16:creationId xmlns:a16="http://schemas.microsoft.com/office/drawing/2014/main" id="{145EB10D-9EF4-8340-AF59-8263CD44E62A}"/>
+              </a:ext>
+            </a:extLst>
+          </p:cNvPr>
+          <p:cNvSpPr>
+            <a:spLocks noChangeArrowheads="1"/>
+          </p:cNvSpPr>
+          <p:nvPr/>
+        </p:nvSpPr>
+        <p:spPr bwMode="auto">
+          <a:xfrm>
+            <a:off x="4611688" y="2478088"/>
+            <a:ext cx="371475" cy="371475"/>
+          </a:xfrm>
+          <a:prstGeom prst="ellipse">
+            <a:avLst/>
+          </a:prstGeom>
+          <a:solidFill>
+            <a:schemeClr val="tx1"/>
+          </a:solidFill>
+          <a:ln>
+            <a:noFill/>
+          </a:ln>
+          <a:extLst>
+            <a:ext uri="{91240B29-F687-4F45-9708-019B960494DF}">
+              <a14:hiddenLine xmlns:a14="http://schemas.microsoft.com/office/drawing/2010/main" w="12700" cap="flat" cmpd="sng">
+                <a:solidFill>
+                  <a:srgbClr val="42719B"/>
+                </a:solidFill>
+                <a:bevel/>
+                <a:headEnd/>
+                <a:tailEnd/>
+              </a14:hiddenLine>
+            </a:ext>
+          </a:extLst>
+        </p:spPr>
+        <p:txBody>
+          <a:bodyPr anchor="ctr"/>
+          <a:lstStyle/>
+          <a:p>
+            <a:pPr algn="ctr"/>
+            <a:endParaRPr lang="zh-CN" altLang="zh-CN">
+              <a:solidFill>
+                <a:srgbClr val="FFFFFF"/>
+              </a:solidFill>
+              <a:latin typeface="宋体" panose="02010600030101010101" pitchFamily="2" charset="-122"/>
+              <a:sym typeface="宋体" panose="02010600030101010101" pitchFamily="2" charset="-122"/>
+            </a:endParaRPr>
+          </a:p>
+        </p:txBody>
+      </p:sp>
+      <p:sp>
+        <p:nvSpPr>
+          <p:cNvPr id="27656" name="椭圆 65">
+            <a:extLst>
+              <a:ext uri="{FF2B5EF4-FFF2-40B4-BE49-F238E27FC236}">
+                <a16:creationId xmlns:a16="http://schemas.microsoft.com/office/drawing/2014/main" id="{EB9CAF1E-009B-274B-8E16-85601186944B}"/>
+              </a:ext>
+            </a:extLst>
+          </p:cNvPr>
+          <p:cNvSpPr>
+            <a:spLocks noChangeArrowheads="1"/>
+          </p:cNvSpPr>
+          <p:nvPr/>
+        </p:nvSpPr>
+        <p:spPr bwMode="auto">
+          <a:xfrm>
+            <a:off x="4756150" y="2511425"/>
+            <a:ext cx="219075" cy="219075"/>
+          </a:xfrm>
+          <a:prstGeom prst="ellipse">
+            <a:avLst/>
+          </a:prstGeom>
+          <a:solidFill>
+            <a:schemeClr val="bg1"/>
+          </a:solidFill>
+          <a:ln>
+            <a:noFill/>
+          </a:ln>
+          <a:extLst>
+            <a:ext uri="{91240B29-F687-4F45-9708-019B960494DF}">
+              <a14:hiddenLine xmlns:a14="http://schemas.microsoft.com/office/drawing/2010/main" w="12700" cap="flat" cmpd="sng">
+                <a:solidFill>
+                  <a:srgbClr val="42719B"/>
+                </a:solidFill>
+                <a:bevel/>
+                <a:headEnd/>
+                <a:tailEnd/>
+              </a14:hiddenLine>
+            </a:ext>
+          </a:extLst>
+        </p:spPr>
+        <p:txBody>
+          <a:bodyPr anchor="ctr"/>
+          <a:lstStyle/>
+          <a:p>
+            <a:pPr algn="ctr"/>
+            <a:endParaRPr lang="zh-CN" altLang="zh-CN">
+              <a:solidFill>
+                <a:srgbClr val="FFFFFF"/>
+              </a:solidFill>
+              <a:latin typeface="宋体" panose="02010600030101010101" pitchFamily="2" charset="-122"/>
+              <a:sym typeface="宋体" panose="02010600030101010101" pitchFamily="2" charset="-122"/>
+            </a:endParaRPr>
+          </a:p>
+        </p:txBody>
+      </p:sp>
+      <p:sp>
+        <p:nvSpPr>
+          <p:cNvPr id="27657" name="同心圆 66">
+            <a:extLst>
+              <a:ext uri="{FF2B5EF4-FFF2-40B4-BE49-F238E27FC236}">
+                <a16:creationId xmlns:a16="http://schemas.microsoft.com/office/drawing/2014/main" id="{22455C4E-3E12-C94C-94DF-A2CE8C5BE67F}"/>
+              </a:ext>
+            </a:extLst>
+          </p:cNvPr>
+          <p:cNvSpPr>
+            <a:spLocks noChangeArrowheads="1"/>
+          </p:cNvSpPr>
+          <p:nvPr/>
+        </p:nvSpPr>
+        <p:spPr bwMode="auto">
+          <a:xfrm>
+            <a:off x="6124575" y="1563688"/>
+            <a:ext cx="2560638" cy="2182812"/>
+          </a:xfrm>
+          <a:custGeom>
+            <a:avLst/>
+            <a:gdLst>
+              <a:gd name="G0" fmla="+- 3413 0 0"/>
+              <a:gd name="G1" fmla="+- 21600 0 3413"/>
+              <a:gd name="G2" fmla="+- 21600 0 3413"/>
+              <a:gd name="G3" fmla="*/ G0 2929 10000"/>
+              <a:gd name="G4" fmla="+- 21600 0 G3"/>
+              <a:gd name="G5" fmla="+- 21600 0 G3"/>
+              <a:gd name="T0" fmla="*/ 10800 w 21600"/>
+              <a:gd name="T1" fmla="*/ 0 h 21600"/>
+              <a:gd name="T2" fmla="*/ 3163 w 21600"/>
+              <a:gd name="T3" fmla="*/ 3163 h 21600"/>
+              <a:gd name="T4" fmla="*/ 0 w 21600"/>
+              <a:gd name="T5" fmla="*/ 10800 h 21600"/>
+              <a:gd name="T6" fmla="*/ 3163 w 21600"/>
+              <a:gd name="T7" fmla="*/ 18437 h 21600"/>
+              <a:gd name="T8" fmla="*/ 10800 w 21600"/>
+              <a:gd name="T9" fmla="*/ 21600 h 21600"/>
+              <a:gd name="T10" fmla="*/ 18437 w 21600"/>
+              <a:gd name="T11" fmla="*/ 18437 h 21600"/>
+              <a:gd name="T12" fmla="*/ 21600 w 21600"/>
+              <a:gd name="T13" fmla="*/ 10800 h 21600"/>
+              <a:gd name="T14" fmla="*/ 18437 w 21600"/>
+              <a:gd name="T15" fmla="*/ 3163 h 21600"/>
+              <a:gd name="T16" fmla="*/ 3163 w 21600"/>
+              <a:gd name="T17" fmla="*/ 3163 h 21600"/>
+              <a:gd name="T18" fmla="*/ 18437 w 21600"/>
+              <a:gd name="T19" fmla="*/ 18437 h 21600"/>
+            </a:gdLst>
+            <a:ahLst/>
+            <a:cxnLst>
+              <a:cxn ang="0">
+                <a:pos x="T0" y="T1"/>
+              </a:cxn>
+              <a:cxn ang="0">
+                <a:pos x="T2" y="T3"/>
+              </a:cxn>
+              <a:cxn ang="0">
+                <a:pos x="T4" y="T5"/>
+              </a:cxn>
+              <a:cxn ang="0">
+                <a:pos x="T6" y="T7"/>
+              </a:cxn>
+              <a:cxn ang="0">
+                <a:pos x="T8" y="T9"/>
+              </a:cxn>
+              <a:cxn ang="0">
+                <a:pos x="T10" y="T11"/>
+              </a:cxn>
+              <a:cxn ang="0">
+                <a:pos x="T12" y="T13"/>
+              </a:cxn>
+              <a:cxn ang="0">
+                <a:pos x="T14" y="T15"/>
+              </a:cxn>
+            </a:cxnLst>
+            <a:rect l="T16" t="T17" r="T18" b="T19"/>
+            <a:pathLst>
+              <a:path w="21600" h="21600">
+                <a:moveTo>
+                  <a:pt x="0" y="10800"/>
+                </a:moveTo>
+                <a:cubicBezTo>
+                  <a:pt x="0" y="4835"/>
+                  <a:pt x="4835" y="0"/>
+                  <a:pt x="10800" y="0"/>
+                </a:cubicBezTo>
+                <a:cubicBezTo>
+                  <a:pt x="16765" y="0"/>
+                  <a:pt x="21600" y="4835"/>
+                  <a:pt x="21600" y="10800"/>
+                </a:cubicBezTo>
+                <a:cubicBezTo>
+                  <a:pt x="21600" y="16765"/>
+                  <a:pt x="16765" y="21600"/>
+                  <a:pt x="10800" y="21600"/>
+                </a:cubicBezTo>
+                <a:cubicBezTo>
+                  <a:pt x="4835" y="21600"/>
+                  <a:pt x="0" y="16765"/>
+                  <a:pt x="0" y="10800"/>
+                </a:cubicBezTo>
+                <a:close/>
+                <a:moveTo>
+                  <a:pt x="3413" y="10800"/>
+                </a:moveTo>
+                <a:cubicBezTo>
+                  <a:pt x="3413" y="14880"/>
+                  <a:pt x="6720" y="18187"/>
+                  <a:pt x="10800" y="18187"/>
+                </a:cubicBezTo>
+                <a:cubicBezTo>
+                  <a:pt x="14880" y="18187"/>
+                  <a:pt x="18187" y="14880"/>
+                  <a:pt x="18187" y="10800"/>
+                </a:cubicBezTo>
+                <a:cubicBezTo>
+                  <a:pt x="18187" y="6720"/>
+                  <a:pt x="14880" y="3413"/>
+                  <a:pt x="10800" y="3413"/>
+                </a:cubicBezTo>
+                <a:cubicBezTo>
+                  <a:pt x="6720" y="3413"/>
+                  <a:pt x="3413" y="6720"/>
+                  <a:pt x="3413" y="10800"/>
+                </a:cubicBezTo>
+                <a:close/>
+              </a:path>
+            </a:pathLst>
+          </a:custGeom>
+          <a:gradFill rotWithShape="1">
+            <a:gsLst>
+              <a:gs pos="0">
+                <a:srgbClr val="7F7F7F"/>
+              </a:gs>
+              <a:gs pos="50000">
+                <a:srgbClr val="D8D8D8"/>
+              </a:gs>
+              <a:gs pos="100000">
+                <a:srgbClr val="BFBFBF"/>
+              </a:gs>
+            </a:gsLst>
+            <a:path path="rect">
+              <a:fillToRect l="100000" t="100000"/>
+            </a:path>
+          </a:gradFill>
+          <a:ln>
+            <a:noFill/>
+          </a:ln>
+          <a:extLst>
+            <a:ext uri="{91240B29-F687-4F45-9708-019B960494DF}">
+              <a14:hiddenLine xmlns:a14="http://schemas.microsoft.com/office/drawing/2010/main" w="12700" cap="flat" cmpd="sng">
+                <a:solidFill>
+                  <a:srgbClr val="42719B"/>
+                </a:solidFill>
+                <a:bevel/>
+                <a:headEnd/>
+                <a:tailEnd/>
+              </a14:hiddenLine>
+            </a:ext>
+          </a:extLst>
+        </p:spPr>
+        <p:txBody>
+          <a:bodyPr anchor="ctr"/>
+          <a:lstStyle/>
+          <a:p>
+            <a:pPr algn="ctr"/>
+            <a:endParaRPr lang="zh-CN" altLang="zh-CN">
+              <a:latin typeface="宋体" panose="02010600030101010101" pitchFamily="2" charset="-122"/>
+              <a:sym typeface="宋体" panose="02010600030101010101" pitchFamily="2" charset="-122"/>
+            </a:endParaRPr>
+          </a:p>
+        </p:txBody>
+      </p:sp>
+      <p:sp>
+        <p:nvSpPr>
+          <p:cNvPr id="27658" name="椭圆 67">
+            <a:extLst>
+              <a:ext uri="{FF2B5EF4-FFF2-40B4-BE49-F238E27FC236}">
+                <a16:creationId xmlns:a16="http://schemas.microsoft.com/office/drawing/2014/main" id="{71261F01-CCA6-5D40-953D-4A8ACA6E4B3C}"/>
+              </a:ext>
+            </a:extLst>
+          </p:cNvPr>
+          <p:cNvSpPr>
+            <a:spLocks noChangeArrowheads="1"/>
+          </p:cNvSpPr>
+          <p:nvPr/>
+        </p:nvSpPr>
+        <p:spPr bwMode="auto">
+          <a:xfrm>
+            <a:off x="6457950" y="2079625"/>
+            <a:ext cx="1871663" cy="1149350"/>
+          </a:xfrm>
+          <a:prstGeom prst="ellipse">
+            <a:avLst/>
+          </a:prstGeom>
+          <a:solidFill>
+            <a:schemeClr val="bg1"/>
+          </a:solidFill>
+          <a:ln w="12700" cap="flat" cmpd="sng">
+            <a:solidFill>
+              <a:srgbClr val="BFBFBF"/>
+            </a:solidFill>
+            <a:bevel/>
+            <a:headEnd/>
+            <a:tailEnd/>
+          </a:ln>
+        </p:spPr>
+        <p:txBody>
+          <a:bodyPr anchor="ctr"/>
+          <a:lstStyle/>
+          <a:p>
+            <a:pPr algn="ctr"/>
+            <a:endParaRPr lang="zh-CN" altLang="zh-CN">
+              <a:solidFill>
+                <a:srgbClr val="FFFFFF"/>
+              </a:solidFill>
+              <a:latin typeface="宋体" panose="02010600030101010101" pitchFamily="2" charset="-122"/>
+              <a:sym typeface="宋体" panose="02010600030101010101" pitchFamily="2" charset="-122"/>
+            </a:endParaRPr>
+          </a:p>
+        </p:txBody>
+      </p:sp>
+      <p:sp>
+        <p:nvSpPr>
+          <p:cNvPr id="27659" name="椭圆 68">
+            <a:extLst>
+              <a:ext uri="{FF2B5EF4-FFF2-40B4-BE49-F238E27FC236}">
+                <a16:creationId xmlns:a16="http://schemas.microsoft.com/office/drawing/2014/main" id="{8DC73EC1-7DE5-9545-926E-39B9DAF2AA00}"/>
+              </a:ext>
+            </a:extLst>
+          </p:cNvPr>
+          <p:cNvSpPr>
+            <a:spLocks noChangeArrowheads="1"/>
+          </p:cNvSpPr>
+          <p:nvPr/>
+        </p:nvSpPr>
+        <p:spPr bwMode="auto">
+          <a:xfrm>
+            <a:off x="7002463" y="2263775"/>
+            <a:ext cx="781050" cy="781050"/>
+          </a:xfrm>
+          <a:prstGeom prst="ellipse">
+            <a:avLst/>
+          </a:prstGeom>
+          <a:gradFill rotWithShape="1">
+            <a:gsLst>
+              <a:gs pos="0">
+                <a:srgbClr val="385623"/>
+              </a:gs>
+              <a:gs pos="50000">
+                <a:srgbClr val="385623"/>
+              </a:gs>
+              <a:gs pos="100000">
+                <a:srgbClr val="9E392E"/>
+              </a:gs>
+            </a:gsLst>
+            <a:path path="rect">
+              <a:fillToRect l="100000" t="100000"/>
+            </a:path>
+          </a:gradFill>
+          <a:ln>
+            <a:noFill/>
+          </a:ln>
+          <a:extLst>
+            <a:ext uri="{91240B29-F687-4F45-9708-019B960494DF}">
+              <a14:hiddenLine xmlns:a14="http://schemas.microsoft.com/office/drawing/2010/main" w="12700" cap="flat" cmpd="sng">
+                <a:solidFill>
+                  <a:srgbClr val="42719B"/>
+                </a:solidFill>
+                <a:bevel/>
+                <a:headEnd/>
+                <a:tailEnd/>
+              </a14:hiddenLine>
+            </a:ext>
+          </a:extLst>
+        </p:spPr>
+        <p:txBody>
+          <a:bodyPr anchor="ctr"/>
+          <a:lstStyle/>
+          <a:p>
+            <a:pPr algn="ctr"/>
+            <a:endParaRPr lang="zh-CN" altLang="zh-CN">
+              <a:solidFill>
+                <a:srgbClr val="FFFFFF"/>
+              </a:solidFill>
+              <a:latin typeface="宋体" panose="02010600030101010101" pitchFamily="2" charset="-122"/>
+              <a:sym typeface="宋体" panose="02010600030101010101" pitchFamily="2" charset="-122"/>
+            </a:endParaRPr>
+          </a:p>
+        </p:txBody>
+      </p:sp>
+      <p:sp>
+        <p:nvSpPr>
+          <p:cNvPr id="27660" name="椭圆 69">
+            <a:extLst>
+              <a:ext uri="{FF2B5EF4-FFF2-40B4-BE49-F238E27FC236}">
+                <a16:creationId xmlns:a16="http://schemas.microsoft.com/office/drawing/2014/main" id="{FB4EC8A6-6169-0F48-9D31-D5C2A46072FF}"/>
+              </a:ext>
+            </a:extLst>
+          </p:cNvPr>
+          <p:cNvSpPr>
+            <a:spLocks noChangeArrowheads="1"/>
+          </p:cNvSpPr>
+          <p:nvPr/>
+        </p:nvSpPr>
+        <p:spPr bwMode="auto">
+          <a:xfrm>
+            <a:off x="7177088" y="2511425"/>
+            <a:ext cx="371475" cy="371475"/>
+          </a:xfrm>
+          <a:prstGeom prst="ellipse">
+            <a:avLst/>
+          </a:prstGeom>
+          <a:solidFill>
+            <a:schemeClr val="tx1"/>
+          </a:solidFill>
+          <a:ln>
+            <a:noFill/>
+          </a:ln>
+          <a:extLst>
+            <a:ext uri="{91240B29-F687-4F45-9708-019B960494DF}">
+              <a14:hiddenLine xmlns:a14="http://schemas.microsoft.com/office/drawing/2010/main" w="12700" cap="flat" cmpd="sng">
+                <a:solidFill>
+                  <a:srgbClr val="42719B"/>
+                </a:solidFill>
+                <a:bevel/>
+                <a:headEnd/>
+                <a:tailEnd/>
+              </a14:hiddenLine>
+            </a:ext>
+          </a:extLst>
+        </p:spPr>
+        <p:txBody>
+          <a:bodyPr anchor="ctr"/>
+          <a:lstStyle/>
+          <a:p>
+            <a:pPr algn="ctr"/>
+            <a:endParaRPr lang="zh-CN" altLang="zh-CN">
+              <a:solidFill>
+                <a:srgbClr val="FFFFFF"/>
+              </a:solidFill>
+              <a:latin typeface="宋体" panose="02010600030101010101" pitchFamily="2" charset="-122"/>
+              <a:sym typeface="宋体" panose="02010600030101010101" pitchFamily="2" charset="-122"/>
+            </a:endParaRPr>
+          </a:p>
+        </p:txBody>
+      </p:sp>
+      <p:sp>
+        <p:nvSpPr>
+          <p:cNvPr id="27661" name="椭圆 70">
+            <a:extLst>
+              <a:ext uri="{FF2B5EF4-FFF2-40B4-BE49-F238E27FC236}">
+                <a16:creationId xmlns:a16="http://schemas.microsoft.com/office/drawing/2014/main" id="{1EF7D57A-0416-7748-967E-52763883DD55}"/>
+              </a:ext>
+            </a:extLst>
+          </p:cNvPr>
+          <p:cNvSpPr>
+            <a:spLocks noChangeArrowheads="1"/>
+          </p:cNvSpPr>
+          <p:nvPr/>
+        </p:nvSpPr>
+        <p:spPr bwMode="auto">
+          <a:xfrm>
+            <a:off x="7321550" y="2544763"/>
+            <a:ext cx="219075" cy="219075"/>
+          </a:xfrm>
+          <a:prstGeom prst="ellipse">
+            <a:avLst/>
+          </a:prstGeom>
+          <a:solidFill>
+            <a:schemeClr val="bg1"/>
+          </a:solidFill>
+          <a:ln>
+            <a:noFill/>
+          </a:ln>
+          <a:extLst>
+            <a:ext uri="{91240B29-F687-4F45-9708-019B960494DF}">
+              <a14:hiddenLine xmlns:a14="http://schemas.microsoft.com/office/drawing/2010/main" w="12700" cap="flat" cmpd="sng">
+                <a:solidFill>
+                  <a:srgbClr val="42719B"/>
+                </a:solidFill>
+                <a:bevel/>
+                <a:headEnd/>
+                <a:tailEnd/>
+              </a14:hiddenLine>
+            </a:ext>
+          </a:extLst>
+        </p:spPr>
+        <p:txBody>
+          <a:bodyPr anchor="ctr"/>
+          <a:lstStyle/>
+          <a:p>
+            <a:pPr algn="ctr"/>
+            <a:endParaRPr lang="zh-CN" altLang="zh-CN">
+              <a:solidFill>
+                <a:srgbClr val="FFFFFF"/>
+              </a:solidFill>
+              <a:latin typeface="宋体" panose="02010600030101010101" pitchFamily="2" charset="-122"/>
+              <a:sym typeface="宋体" panose="02010600030101010101" pitchFamily="2" charset="-122"/>
+            </a:endParaRPr>
+          </a:p>
+        </p:txBody>
+      </p:sp>
+      <p:sp>
+        <p:nvSpPr>
+          <p:cNvPr id="27662" name="等腰三角形 87">
+            <a:extLst>
+              <a:ext uri="{FF2B5EF4-FFF2-40B4-BE49-F238E27FC236}">
+                <a16:creationId xmlns:a16="http://schemas.microsoft.com/office/drawing/2014/main" id="{354A66C5-CE94-6440-8610-E00739B70E05}"/>
+              </a:ext>
+            </a:extLst>
+          </p:cNvPr>
+          <p:cNvSpPr>
+            <a:spLocks noChangeArrowheads="1"/>
+          </p:cNvSpPr>
+          <p:nvPr/>
+        </p:nvSpPr>
+        <p:spPr bwMode="auto">
+          <a:xfrm>
+            <a:off x="0" y="5638800"/>
+            <a:ext cx="2960688" cy="1219200"/>
+          </a:xfrm>
+          <a:prstGeom prst="triangle">
+            <a:avLst>
+              <a:gd name="adj" fmla="val 50000"/>
+            </a:avLst>
+          </a:prstGeom>
+          <a:solidFill>
+            <a:srgbClr val="FFF2CC"/>
+          </a:solidFill>
+          <a:ln>
+            <a:noFill/>
+          </a:ln>
+          <a:extLst>
+            <a:ext uri="{91240B29-F687-4F45-9708-019B960494DF}">
+              <a14:hiddenLine xmlns:a14="http://schemas.microsoft.com/office/drawing/2010/main" w="12700" cap="flat" cmpd="sng">
+                <a:solidFill>
+                  <a:srgbClr val="42719B"/>
+                </a:solidFill>
+                <a:bevel/>
+                <a:headEnd/>
+                <a:tailEnd/>
+              </a14:hiddenLine>
+            </a:ext>
+          </a:extLst>
+        </p:spPr>
+        <p:txBody>
+          <a:bodyPr anchor="ctr"/>
+          <a:lstStyle/>
+          <a:p>
+            <a:pPr algn="ctr"/>
+            <a:endParaRPr lang="zh-CN" altLang="zh-CN">
+              <a:solidFill>
+                <a:srgbClr val="FFFFFF"/>
+              </a:solidFill>
+              <a:latin typeface="宋体" panose="02010600030101010101" pitchFamily="2" charset="-122"/>
+              <a:sym typeface="宋体" panose="02010600030101010101" pitchFamily="2" charset="-122"/>
+            </a:endParaRPr>
+          </a:p>
+        </p:txBody>
+      </p:sp>
+      <p:sp>
+        <p:nvSpPr>
+          <p:cNvPr id="27663" name="等腰三角形 88">
+            <a:extLst>
+              <a:ext uri="{FF2B5EF4-FFF2-40B4-BE49-F238E27FC236}">
+                <a16:creationId xmlns:a16="http://schemas.microsoft.com/office/drawing/2014/main" id="{A8976BF0-E756-1D4C-B184-62BC44A91C47}"/>
+              </a:ext>
+            </a:extLst>
+          </p:cNvPr>
+          <p:cNvSpPr>
+            <a:spLocks noChangeArrowheads="1"/>
+          </p:cNvSpPr>
+          <p:nvPr/>
+        </p:nvSpPr>
+        <p:spPr bwMode="auto">
+          <a:xfrm>
+            <a:off x="2257425" y="6100763"/>
+            <a:ext cx="2725738" cy="757237"/>
+          </a:xfrm>
+          <a:prstGeom prst="triangle">
+            <a:avLst>
+              <a:gd name="adj" fmla="val 50000"/>
+            </a:avLst>
+          </a:prstGeom>
+          <a:solidFill>
+            <a:srgbClr val="F7CAAC"/>
+          </a:solidFill>
+          <a:ln>
+            <a:noFill/>
+          </a:ln>
+          <a:extLst>
+            <a:ext uri="{91240B29-F687-4F45-9708-019B960494DF}">
+              <a14:hiddenLine xmlns:a14="http://schemas.microsoft.com/office/drawing/2010/main" w="12700" cap="flat" cmpd="sng">
+                <a:solidFill>
+                  <a:srgbClr val="42719B"/>
+                </a:solidFill>
+                <a:bevel/>
+                <a:headEnd/>
+                <a:tailEnd/>
+              </a14:hiddenLine>
+            </a:ext>
+          </a:extLst>
+        </p:spPr>
+        <p:txBody>
+          <a:bodyPr anchor="ctr"/>
+          <a:lstStyle/>
+          <a:p>
+            <a:pPr algn="ctr"/>
+            <a:endParaRPr lang="zh-CN" altLang="zh-CN">
+              <a:solidFill>
+                <a:srgbClr val="FFFFFF"/>
+              </a:solidFill>
+              <a:latin typeface="宋体" panose="02010600030101010101" pitchFamily="2" charset="-122"/>
+              <a:sym typeface="宋体" panose="02010600030101010101" pitchFamily="2" charset="-122"/>
+            </a:endParaRPr>
+          </a:p>
+        </p:txBody>
+      </p:sp>
+      <p:sp>
+        <p:nvSpPr>
+          <p:cNvPr id="27664" name="等腰三角形 89">
+            <a:extLst>
+              <a:ext uri="{FF2B5EF4-FFF2-40B4-BE49-F238E27FC236}">
+                <a16:creationId xmlns:a16="http://schemas.microsoft.com/office/drawing/2014/main" id="{A30DB716-1BF0-E649-AC02-DB6CC072A0A6}"/>
+              </a:ext>
+            </a:extLst>
+          </p:cNvPr>
+          <p:cNvSpPr>
+            <a:spLocks noChangeArrowheads="1"/>
+          </p:cNvSpPr>
+          <p:nvPr/>
+        </p:nvSpPr>
+        <p:spPr bwMode="auto">
+          <a:xfrm>
+            <a:off x="4438650" y="5730875"/>
+            <a:ext cx="2563813" cy="1127125"/>
+          </a:xfrm>
+          <a:prstGeom prst="triangle">
+            <a:avLst>
+              <a:gd name="adj" fmla="val 50000"/>
+            </a:avLst>
+          </a:prstGeom>
+          <a:solidFill>
+            <a:srgbClr val="FF0000">
+              <a:alpha val="68999"/>
+            </a:srgbClr>
+          </a:solidFill>
+          <a:ln>
+            <a:noFill/>
+          </a:ln>
+          <a:extLst>
+            <a:ext uri="{91240B29-F687-4F45-9708-019B960494DF}">
+              <a14:hiddenLine xmlns:a14="http://schemas.microsoft.com/office/drawing/2010/main" w="12700" cap="flat" cmpd="sng">
+                <a:solidFill>
+                  <a:srgbClr val="42719B"/>
+                </a:solidFill>
+                <a:bevel/>
+                <a:headEnd/>
+                <a:tailEnd/>
+              </a14:hiddenLine>
+            </a:ext>
+          </a:extLst>
+        </p:spPr>
+        <p:txBody>
+          <a:bodyPr anchor="ctr"/>
+          <a:lstStyle/>
+          <a:p>
+            <a:pPr algn="ctr"/>
+            <a:endParaRPr lang="zh-CN" altLang="zh-CN">
+              <a:solidFill>
+                <a:srgbClr val="FFFFFF"/>
+              </a:solidFill>
+              <a:latin typeface="宋体" panose="02010600030101010101" pitchFamily="2" charset="-122"/>
+              <a:sym typeface="宋体" panose="02010600030101010101" pitchFamily="2" charset="-122"/>
+            </a:endParaRPr>
+          </a:p>
+        </p:txBody>
+      </p:sp>
+      <p:sp>
+        <p:nvSpPr>
+          <p:cNvPr id="27665" name="等腰三角形 90">
+            <a:extLst>
+              <a:ext uri="{FF2B5EF4-FFF2-40B4-BE49-F238E27FC236}">
+                <a16:creationId xmlns:a16="http://schemas.microsoft.com/office/drawing/2014/main" id="{20C09C67-846D-0748-A0A3-20315DE20D2B}"/>
+              </a:ext>
+            </a:extLst>
+          </p:cNvPr>
+          <p:cNvSpPr>
+            <a:spLocks noChangeArrowheads="1"/>
+          </p:cNvSpPr>
+          <p:nvPr/>
+        </p:nvSpPr>
+        <p:spPr bwMode="auto">
+          <a:xfrm>
+            <a:off x="6657975" y="5638800"/>
+            <a:ext cx="1671638" cy="1219200"/>
+          </a:xfrm>
+          <a:prstGeom prst="triangle">
+            <a:avLst>
+              <a:gd name="adj" fmla="val 50000"/>
+            </a:avLst>
+          </a:prstGeom>
+          <a:solidFill>
+            <a:srgbClr val="FFD966"/>
+          </a:solidFill>
+          <a:ln>
+            <a:noFill/>
+          </a:ln>
+          <a:extLst>
+            <a:ext uri="{91240B29-F687-4F45-9708-019B960494DF}">
+              <a14:hiddenLine xmlns:a14="http://schemas.microsoft.com/office/drawing/2010/main" w="12700" cap="flat" cmpd="sng">
+                <a:solidFill>
+                  <a:srgbClr val="42719B"/>
+                </a:solidFill>
+                <a:bevel/>
+                <a:headEnd/>
+                <a:tailEnd/>
+              </a14:hiddenLine>
+            </a:ext>
+          </a:extLst>
+        </p:spPr>
+        <p:txBody>
+          <a:bodyPr anchor="ctr"/>
+          <a:lstStyle/>
+          <a:p>
+            <a:pPr algn="ctr"/>
+            <a:endParaRPr lang="zh-CN" altLang="zh-CN">
+              <a:solidFill>
+                <a:srgbClr val="FFFFFF"/>
+              </a:solidFill>
+              <a:latin typeface="宋体" panose="02010600030101010101" pitchFamily="2" charset="-122"/>
+              <a:sym typeface="宋体" panose="02010600030101010101" pitchFamily="2" charset="-122"/>
+            </a:endParaRPr>
+          </a:p>
+        </p:txBody>
+      </p:sp>
+      <p:sp>
+        <p:nvSpPr>
+          <p:cNvPr id="27666" name="等腰三角形 91">
+            <a:extLst>
+              <a:ext uri="{FF2B5EF4-FFF2-40B4-BE49-F238E27FC236}">
+                <a16:creationId xmlns:a16="http://schemas.microsoft.com/office/drawing/2014/main" id="{90762638-D200-1743-AAE6-004B8EE5463B}"/>
+              </a:ext>
+            </a:extLst>
+          </p:cNvPr>
+          <p:cNvSpPr>
+            <a:spLocks noChangeArrowheads="1"/>
+          </p:cNvSpPr>
+          <p:nvPr/>
+        </p:nvSpPr>
+        <p:spPr bwMode="auto">
+          <a:xfrm>
+            <a:off x="7745413" y="5308600"/>
+            <a:ext cx="4506912" cy="1549400"/>
+          </a:xfrm>
+          <a:prstGeom prst="triangle">
+            <a:avLst>
+              <a:gd name="adj" fmla="val 50000"/>
+            </a:avLst>
+          </a:prstGeom>
+          <a:solidFill>
+            <a:srgbClr val="FFE599"/>
+          </a:solidFill>
+          <a:ln>
+            <a:noFill/>
+          </a:ln>
+          <a:extLst>
+            <a:ext uri="{91240B29-F687-4F45-9708-019B960494DF}">
+              <a14:hiddenLine xmlns:a14="http://schemas.microsoft.com/office/drawing/2010/main" w="12700" cap="flat" cmpd="sng">
+                <a:solidFill>
+                  <a:srgbClr val="42719B"/>
+                </a:solidFill>
+                <a:bevel/>
+                <a:headEnd/>
+                <a:tailEnd/>
+              </a14:hiddenLine>
+            </a:ext>
+          </a:extLst>
+        </p:spPr>
+        <p:txBody>
+          <a:bodyPr anchor="ctr"/>
+          <a:lstStyle/>
+          <a:p>
+            <a:pPr algn="ctr"/>
+            <a:endParaRPr lang="zh-CN" altLang="zh-CN">
+              <a:solidFill>
+                <a:srgbClr val="FFFFFF"/>
+              </a:solidFill>
+              <a:latin typeface="宋体" panose="02010600030101010101" pitchFamily="2" charset="-122"/>
+              <a:sym typeface="宋体" panose="02010600030101010101" pitchFamily="2" charset="-122"/>
+            </a:endParaRPr>
+          </a:p>
+        </p:txBody>
+      </p:sp>
+    </p:spTree>
+    <p:extLst>
+      <p:ext uri="{BB962C8B-B14F-4D97-AF65-F5344CB8AC3E}">
+        <p14:creationId xmlns:p14="http://schemas.microsoft.com/office/powerpoint/2010/main" val="3781279264"/>
+      </p:ext>
+    </p:extLst>
+  </p:cSld>
+  <p:clrMapOvr>
+    <a:masterClrMapping/>
+  </p:clrMapOvr>
+  <p:timing>
+    <p:tnLst>
+      <p:par>
+        <p:cTn id="1" dur="indefinite" restart="never" nodeType="tmRoot">
+          <p:childTnLst>
+            <p:seq concurrent="1" nextAc="seek">
+              <p:cTn id="2" dur="indefinite" nodeType="mainSeq">
+                <p:childTnLst>
+                  <p:par>
+                    <p:cTn id="3" fill="hold" nodeType="clickPar">
+                      <p:stCondLst>
+                        <p:cond delay="indefinite"/>
+                        <p:cond evt="onBegin" delay="0">
+                          <p:tn val="2"/>
+                        </p:cond>
+                      </p:stCondLst>
+                      <p:childTnLst>
+                        <p:par>
+                          <p:cTn id="4" fill="hold" nodeType="withGroup">
+                            <p:stCondLst>
+                              <p:cond delay="0"/>
+                            </p:stCondLst>
+                            <p:childTnLst>
+                              <p:par>
+                                <p:cTn id="5" presetID="42" presetClass="entr" presetSubtype="0" fill="hold" grpId="0" nodeType="afterEffect">
+                                  <p:stCondLst>
+                                    <p:cond delay="0"/>
+                                  </p:stCondLst>
+                                  <p:childTnLst>
+                                    <p:set>
+                                      <p:cBhvr>
+                                        <p:cTn id="6" dur="1" fill="hold">
+                                          <p:stCondLst>
+                                            <p:cond delay="0"/>
+                                          </p:stCondLst>
+                                        </p:cTn>
+                                        <p:tgtEl>
+                                          <p:spTgt spid="27650"/>
+                                        </p:tgtEl>
+                                        <p:attrNameLst>
+                                          <p:attrName>style.visibility</p:attrName>
+                                        </p:attrNameLst>
+                                      </p:cBhvr>
+                                      <p:to>
+                                        <p:strVal val="visible"/>
+                                      </p:to>
+                                    </p:set>
+                                    <p:animEffect>
+                                      <p:cBhvr>
+                                        <p:cTn id="7" dur="1000"/>
+                                        <p:tgtEl>
+                                          <p:spTgt spid="27650"/>
+                                        </p:tgtEl>
+                                      </p:cBhvr>
+                                    </p:animEffect>
+                                    <p:anim calcmode="lin" valueType="num">
+                                      <p:cBhvr>
+                                        <p:cTn id="8" dur="1000" fill="hold"/>
+                                        <p:tgtEl>
+                                          <p:spTgt spid="27650"/>
+                                        </p:tgtEl>
+                                        <p:attrNameLst>
+                                          <p:attrName>ppt_x</p:attrName>
+                                        </p:attrNameLst>
+                                      </p:cBhvr>
+                                      <p:tavLst>
+                                        <p:tav tm="0">
+                                          <p:val>
+                                            <p:strVal val="#ppt_x"/>
+                                          </p:val>
+                                        </p:tav>
+                                        <p:tav tm="100000">
+                                          <p:val>
+                                            <p:strVal val="#ppt_x"/>
+                                          </p:val>
+                                        </p:tav>
+                                      </p:tavLst>
+                                    </p:anim>
+                                    <p:anim calcmode="lin" valueType="num">
+                                      <p:cBhvr>
+                                        <p:cTn id="9" dur="1000" fill="hold"/>
+                                        <p:tgtEl>
+                                          <p:spTgt spid="27650"/>
+                                        </p:tgtEl>
+                                        <p:attrNameLst>
+                                          <p:attrName>ppt_y</p:attrName>
+                                        </p:attrNameLst>
+                                      </p:cBhvr>
+                                      <p:tavLst>
+                                        <p:tav tm="0">
+                                          <p:val>
+                                            <p:strVal val="#ppt_y+.1"/>
+                                          </p:val>
+                                        </p:tav>
+                                        <p:tav tm="100000">
+                                          <p:val>
+                                            <p:strVal val="#ppt_y"/>
+                                          </p:val>
+                                        </p:tav>
+                                      </p:tavLst>
+                                    </p:anim>
+                                  </p:childTnLst>
+                                </p:cTn>
+                              </p:par>
+                            </p:childTnLst>
+                          </p:cTn>
+                        </p:par>
+                      </p:childTnLst>
+                    </p:cTn>
+                  </p:par>
+                </p:childTnLst>
+              </p:cTn>
+              <p:prevCondLst>
+                <p:cond evt="onPrev" delay="0">
+                  <p:tgtEl>
+                    <p:sldTgt/>
+                  </p:tgtEl>
+                </p:cond>
+              </p:prevCondLst>
+              <p:nextCondLst>
+                <p:cond evt="onNext" delay="0">
+                  <p:tgtEl>
+                    <p:sldTgt/>
+                  </p:tgtEl>
+                </p:cond>
+              </p:nextCondLst>
+            </p:seq>
+          </p:childTnLst>
+        </p:cTn>
+      </p:par>
+    </p:tnLst>
+    <p:bldLst>
+      <p:bldP spid="27650" grpId="0" bldLvl="0" autoUpdateAnimBg="0"/>
+    </p:bldLst>
+  </p:timing>
 </p:sld>
 </file>
 
